--- a/Kubernetes.pptx
+++ b/Kubernetes.pptx
@@ -1245,11 +1245,7 @@
             </a:r>
             <a:r>
               <a:rPr lang="en-AU" baseline="0" dirty="0" smtClean="0"/>
-              <a:t> </a:t>
-            </a:r>
-            <a:r>
-              <a:rPr lang="en-AU" baseline="0" dirty="0" smtClean="0"/>
-              <a:t>pets</a:t>
+              <a:t> pets</a:t>
             </a:r>
           </a:p>
           <a:p>
@@ -11633,8 +11629,16 @@
               <a:t>They </a:t>
             </a:r>
             <a:r>
+              <a:rPr lang="en-US"/>
+              <a:t>are </a:t>
+            </a:r>
+            <a:r>
+              <a:rPr lang="en-US" smtClean="0"/>
+              <a:t>ephemeral</a:t>
+            </a:r>
+            <a:r>
               <a:rPr lang="en-US" dirty="0"/>
-              <a:t>are also ephemeral!</a:t>
+              <a:t>!</a:t>
             </a:r>
             <a:endParaRPr lang="en-IN" dirty="0"/>
           </a:p>
@@ -11677,7 +11681,145 @@
   <p:timing>
     <p:tnLst>
       <p:par>
-        <p:cTn id="1" dur="indefinite" restart="never" nodeType="tmRoot"/>
+        <p:cTn id="1" dur="indefinite" restart="never" nodeType="tmRoot">
+          <p:childTnLst>
+            <p:seq concurrent="1" nextAc="seek">
+              <p:cTn id="2" dur="indefinite" nodeType="mainSeq">
+                <p:childTnLst>
+                  <p:par>
+                    <p:cTn id="3" fill="hold">
+                      <p:stCondLst>
+                        <p:cond delay="indefinite"/>
+                      </p:stCondLst>
+                      <p:childTnLst>
+                        <p:par>
+                          <p:cTn id="4" fill="hold">
+                            <p:stCondLst>
+                              <p:cond delay="0"/>
+                            </p:stCondLst>
+                            <p:childTnLst>
+                              <p:par>
+                                <p:cTn id="5" presetID="42" presetClass="entr" presetSubtype="0" fill="hold" nodeType="clickEffect">
+                                  <p:stCondLst>
+                                    <p:cond delay="0"/>
+                                  </p:stCondLst>
+                                  <p:childTnLst>
+                                    <p:set>
+                                      <p:cBhvr>
+                                        <p:cTn id="6" dur="1" fill="hold">
+                                          <p:stCondLst>
+                                            <p:cond delay="0"/>
+                                          </p:stCondLst>
+                                        </p:cTn>
+                                        <p:tgtEl>
+                                          <p:spTgt spid="3">
+                                            <p:txEl>
+                                              <p:pRg st="6" end="6"/>
+                                            </p:txEl>
+                                          </p:spTgt>
+                                        </p:tgtEl>
+                                        <p:attrNameLst>
+                                          <p:attrName>style.visibility</p:attrName>
+                                        </p:attrNameLst>
+                                      </p:cBhvr>
+                                      <p:to>
+                                        <p:strVal val="visible"/>
+                                      </p:to>
+                                    </p:set>
+                                    <p:animEffect transition="in" filter="fade">
+                                      <p:cBhvr>
+                                        <p:cTn id="7" dur="1000"/>
+                                        <p:tgtEl>
+                                          <p:spTgt spid="3">
+                                            <p:txEl>
+                                              <p:pRg st="6" end="6"/>
+                                            </p:txEl>
+                                          </p:spTgt>
+                                        </p:tgtEl>
+                                      </p:cBhvr>
+                                    </p:animEffect>
+                                    <p:anim calcmode="lin" valueType="num">
+                                      <p:cBhvr>
+                                        <p:cTn id="8" dur="1000" fill="hold"/>
+                                        <p:tgtEl>
+                                          <p:spTgt spid="3">
+                                            <p:txEl>
+                                              <p:pRg st="6" end="6"/>
+                                            </p:txEl>
+                                          </p:spTgt>
+                                        </p:tgtEl>
+                                        <p:attrNameLst>
+                                          <p:attrName>ppt_x</p:attrName>
+                                        </p:attrNameLst>
+                                      </p:cBhvr>
+                                      <p:tavLst>
+                                        <p:tav tm="0">
+                                          <p:val>
+                                            <p:strVal val="#ppt_x"/>
+                                          </p:val>
+                                        </p:tav>
+                                        <p:tav tm="100000">
+                                          <p:val>
+                                            <p:strVal val="#ppt_x"/>
+                                          </p:val>
+                                        </p:tav>
+                                      </p:tavLst>
+                                    </p:anim>
+                                    <p:anim calcmode="lin" valueType="num">
+                                      <p:cBhvr>
+                                        <p:cTn id="9" dur="1000" fill="hold"/>
+                                        <p:tgtEl>
+                                          <p:spTgt spid="3">
+                                            <p:txEl>
+                                              <p:pRg st="6" end="6"/>
+                                            </p:txEl>
+                                          </p:spTgt>
+                                        </p:tgtEl>
+                                        <p:attrNameLst>
+                                          <p:attrName>ppt_y</p:attrName>
+                                        </p:attrNameLst>
+                                      </p:cBhvr>
+                                      <p:tavLst>
+                                        <p:tav tm="0">
+                                          <p:val>
+                                            <p:strVal val="#ppt_y+.1"/>
+                                          </p:val>
+                                        </p:tav>
+                                        <p:tav tm="100000">
+                                          <p:val>
+                                            <p:strVal val="#ppt_y"/>
+                                          </p:val>
+                                        </p:tav>
+                                      </p:tavLst>
+                                    </p:anim>
+                                  </p:childTnLst>
+                                </p:cTn>
+                              </p:par>
+                            </p:childTnLst>
+                          </p:cTn>
+                        </p:par>
+                      </p:childTnLst>
+                    </p:cTn>
+                  </p:par>
+                </p:childTnLst>
+              </p:cTn>
+              <p:prevCondLst>
+                <p:cond evt="onPrev" delay="0">
+                  <p:tgtEl>
+                    <p:sldTgt/>
+                  </p:tgtEl>
+                </p:cond>
+              </p:prevCondLst>
+              <p:nextCondLst>
+                <p:cond evt="onNext" delay="0">
+                  <p:tgtEl>
+                    <p:sldTgt/>
+                  </p:tgtEl>
+                </p:cond>
+              </p:nextCondLst>
+            </p:seq>
+          </p:childTnLst>
+        </p:cTn>
       </p:par>
     </p:tnLst>
   </p:timing>
@@ -12015,7 +12157,7 @@
                                         <p:tgtEl>
                                           <p:spTgt spid="3">
                                             <p:txEl>
-                                              <p:pRg st="2" end="2"/>
+                                              <p:pRg st="8" end="8"/>
                                             </p:txEl>
                                           </p:spTgt>
                                         </p:tgtEl>
@@ -12033,7 +12175,7 @@
                                         <p:tgtEl>
                                           <p:spTgt spid="3">
                                             <p:txEl>
-                                              <p:pRg st="2" end="2"/>
+                                              <p:pRg st="8" end="8"/>
                                             </p:txEl>
                                           </p:spTgt>
                                         </p:tgtEl>
@@ -12042,351 +12184,6 @@
                                     <p:anim calcmode="lin" valueType="num">
                                       <p:cBhvr>
                                         <p:cTn id="8" dur="1000" fill="hold"/>
-                                        <p:tgtEl>
-                                          <p:spTgt spid="3">
-                                            <p:txEl>
-                                              <p:pRg st="2" end="2"/>
-                                            </p:txEl>
-                                          </p:spTgt>
-                                        </p:tgtEl>
-                                        <p:attrNameLst>
-                                          <p:attrName>ppt_x</p:attrName>
-                                        </p:attrNameLst>
-                                      </p:cBhvr>
-                                      <p:tavLst>
-                                        <p:tav tm="0">
-                                          <p:val>
-                                            <p:strVal val="#ppt_x"/>
-                                          </p:val>
-                                        </p:tav>
-                                        <p:tav tm="100000">
-                                          <p:val>
-                                            <p:strVal val="#ppt_x"/>
-                                          </p:val>
-                                        </p:tav>
-                                      </p:tavLst>
-                                    </p:anim>
-                                    <p:anim calcmode="lin" valueType="num">
-                                      <p:cBhvr>
-                                        <p:cTn id="9" dur="1000" fill="hold"/>
-                                        <p:tgtEl>
-                                          <p:spTgt spid="3">
-                                            <p:txEl>
-                                              <p:pRg st="2" end="2"/>
-                                            </p:txEl>
-                                          </p:spTgt>
-                                        </p:tgtEl>
-                                        <p:attrNameLst>
-                                          <p:attrName>ppt_y</p:attrName>
-                                        </p:attrNameLst>
-                                      </p:cBhvr>
-                                      <p:tavLst>
-                                        <p:tav tm="0">
-                                          <p:val>
-                                            <p:strVal val="#ppt_y+.1"/>
-                                          </p:val>
-                                        </p:tav>
-                                        <p:tav tm="100000">
-                                          <p:val>
-                                            <p:strVal val="#ppt_y"/>
-                                          </p:val>
-                                        </p:tav>
-                                      </p:tavLst>
-                                    </p:anim>
-                                  </p:childTnLst>
-                                </p:cTn>
-                              </p:par>
-                            </p:childTnLst>
-                          </p:cTn>
-                        </p:par>
-                      </p:childTnLst>
-                    </p:cTn>
-                  </p:par>
-                  <p:par>
-                    <p:cTn id="10" fill="hold">
-                      <p:stCondLst>
-                        <p:cond delay="indefinite"/>
-                      </p:stCondLst>
-                      <p:childTnLst>
-                        <p:par>
-                          <p:cTn id="11" fill="hold">
-                            <p:stCondLst>
-                              <p:cond delay="0"/>
-                            </p:stCondLst>
-                            <p:childTnLst>
-                              <p:par>
-                                <p:cTn id="12" presetID="42" presetClass="entr" presetSubtype="0" fill="hold" nodeType="clickEffect">
-                                  <p:stCondLst>
-                                    <p:cond delay="0"/>
-                                  </p:stCondLst>
-                                  <p:childTnLst>
-                                    <p:set>
-                                      <p:cBhvr>
-                                        <p:cTn id="13" dur="1" fill="hold">
-                                          <p:stCondLst>
-                                            <p:cond delay="0"/>
-                                          </p:stCondLst>
-                                        </p:cTn>
-                                        <p:tgtEl>
-                                          <p:spTgt spid="3">
-                                            <p:txEl>
-                                              <p:pRg st="4" end="4"/>
-                                            </p:txEl>
-                                          </p:spTgt>
-                                        </p:tgtEl>
-                                        <p:attrNameLst>
-                                          <p:attrName>style.visibility</p:attrName>
-                                        </p:attrNameLst>
-                                      </p:cBhvr>
-                                      <p:to>
-                                        <p:strVal val="visible"/>
-                                      </p:to>
-                                    </p:set>
-                                    <p:animEffect transition="in" filter="fade">
-                                      <p:cBhvr>
-                                        <p:cTn id="14" dur="1000"/>
-                                        <p:tgtEl>
-                                          <p:spTgt spid="3">
-                                            <p:txEl>
-                                              <p:pRg st="4" end="4"/>
-                                            </p:txEl>
-                                          </p:spTgt>
-                                        </p:tgtEl>
-                                      </p:cBhvr>
-                                    </p:animEffect>
-                                    <p:anim calcmode="lin" valueType="num">
-                                      <p:cBhvr>
-                                        <p:cTn id="15" dur="1000" fill="hold"/>
-                                        <p:tgtEl>
-                                          <p:spTgt spid="3">
-                                            <p:txEl>
-                                              <p:pRg st="4" end="4"/>
-                                            </p:txEl>
-                                          </p:spTgt>
-                                        </p:tgtEl>
-                                        <p:attrNameLst>
-                                          <p:attrName>ppt_x</p:attrName>
-                                        </p:attrNameLst>
-                                      </p:cBhvr>
-                                      <p:tavLst>
-                                        <p:tav tm="0">
-                                          <p:val>
-                                            <p:strVal val="#ppt_x"/>
-                                          </p:val>
-                                        </p:tav>
-                                        <p:tav tm="100000">
-                                          <p:val>
-                                            <p:strVal val="#ppt_x"/>
-                                          </p:val>
-                                        </p:tav>
-                                      </p:tavLst>
-                                    </p:anim>
-                                    <p:anim calcmode="lin" valueType="num">
-                                      <p:cBhvr>
-                                        <p:cTn id="16" dur="1000" fill="hold"/>
-                                        <p:tgtEl>
-                                          <p:spTgt spid="3">
-                                            <p:txEl>
-                                              <p:pRg st="4" end="4"/>
-                                            </p:txEl>
-                                          </p:spTgt>
-                                        </p:tgtEl>
-                                        <p:attrNameLst>
-                                          <p:attrName>ppt_y</p:attrName>
-                                        </p:attrNameLst>
-                                      </p:cBhvr>
-                                      <p:tavLst>
-                                        <p:tav tm="0">
-                                          <p:val>
-                                            <p:strVal val="#ppt_y+.1"/>
-                                          </p:val>
-                                        </p:tav>
-                                        <p:tav tm="100000">
-                                          <p:val>
-                                            <p:strVal val="#ppt_y"/>
-                                          </p:val>
-                                        </p:tav>
-                                      </p:tavLst>
-                                    </p:anim>
-                                  </p:childTnLst>
-                                </p:cTn>
-                              </p:par>
-                            </p:childTnLst>
-                          </p:cTn>
-                        </p:par>
-                      </p:childTnLst>
-                    </p:cTn>
-                  </p:par>
-                  <p:par>
-                    <p:cTn id="17" fill="hold">
-                      <p:stCondLst>
-                        <p:cond delay="indefinite"/>
-                      </p:stCondLst>
-                      <p:childTnLst>
-                        <p:par>
-                          <p:cTn id="18" fill="hold">
-                            <p:stCondLst>
-                              <p:cond delay="0"/>
-                            </p:stCondLst>
-                            <p:childTnLst>
-                              <p:par>
-                                <p:cTn id="19" presetID="42" presetClass="entr" presetSubtype="0" fill="hold" nodeType="clickEffect">
-                                  <p:stCondLst>
-                                    <p:cond delay="0"/>
-                                  </p:stCondLst>
-                                  <p:childTnLst>
-                                    <p:set>
-                                      <p:cBhvr>
-                                        <p:cTn id="20" dur="1" fill="hold">
-                                          <p:stCondLst>
-                                            <p:cond delay="0"/>
-                                          </p:stCondLst>
-                                        </p:cTn>
-                                        <p:tgtEl>
-                                          <p:spTgt spid="3">
-                                            <p:txEl>
-                                              <p:pRg st="5" end="5"/>
-                                            </p:txEl>
-                                          </p:spTgt>
-                                        </p:tgtEl>
-                                        <p:attrNameLst>
-                                          <p:attrName>style.visibility</p:attrName>
-                                        </p:attrNameLst>
-                                      </p:cBhvr>
-                                      <p:to>
-                                        <p:strVal val="visible"/>
-                                      </p:to>
-                                    </p:set>
-                                    <p:animEffect transition="in" filter="fade">
-                                      <p:cBhvr>
-                                        <p:cTn id="21" dur="1000"/>
-                                        <p:tgtEl>
-                                          <p:spTgt spid="3">
-                                            <p:txEl>
-                                              <p:pRg st="5" end="5"/>
-                                            </p:txEl>
-                                          </p:spTgt>
-                                        </p:tgtEl>
-                                      </p:cBhvr>
-                                    </p:animEffect>
-                                    <p:anim calcmode="lin" valueType="num">
-                                      <p:cBhvr>
-                                        <p:cTn id="22" dur="1000" fill="hold"/>
-                                        <p:tgtEl>
-                                          <p:spTgt spid="3">
-                                            <p:txEl>
-                                              <p:pRg st="5" end="5"/>
-                                            </p:txEl>
-                                          </p:spTgt>
-                                        </p:tgtEl>
-                                        <p:attrNameLst>
-                                          <p:attrName>ppt_x</p:attrName>
-                                        </p:attrNameLst>
-                                      </p:cBhvr>
-                                      <p:tavLst>
-                                        <p:tav tm="0">
-                                          <p:val>
-                                            <p:strVal val="#ppt_x"/>
-                                          </p:val>
-                                        </p:tav>
-                                        <p:tav tm="100000">
-                                          <p:val>
-                                            <p:strVal val="#ppt_x"/>
-                                          </p:val>
-                                        </p:tav>
-                                      </p:tavLst>
-                                    </p:anim>
-                                    <p:anim calcmode="lin" valueType="num">
-                                      <p:cBhvr>
-                                        <p:cTn id="23" dur="1000" fill="hold"/>
-                                        <p:tgtEl>
-                                          <p:spTgt spid="3">
-                                            <p:txEl>
-                                              <p:pRg st="5" end="5"/>
-                                            </p:txEl>
-                                          </p:spTgt>
-                                        </p:tgtEl>
-                                        <p:attrNameLst>
-                                          <p:attrName>ppt_y</p:attrName>
-                                        </p:attrNameLst>
-                                      </p:cBhvr>
-                                      <p:tavLst>
-                                        <p:tav tm="0">
-                                          <p:val>
-                                            <p:strVal val="#ppt_y+.1"/>
-                                          </p:val>
-                                        </p:tav>
-                                        <p:tav tm="100000">
-                                          <p:val>
-                                            <p:strVal val="#ppt_y"/>
-                                          </p:val>
-                                        </p:tav>
-                                      </p:tavLst>
-                                    </p:anim>
-                                  </p:childTnLst>
-                                </p:cTn>
-                              </p:par>
-                            </p:childTnLst>
-                          </p:cTn>
-                        </p:par>
-                      </p:childTnLst>
-                    </p:cTn>
-                  </p:par>
-                  <p:par>
-                    <p:cTn id="24" fill="hold">
-                      <p:stCondLst>
-                        <p:cond delay="indefinite"/>
-                      </p:stCondLst>
-                      <p:childTnLst>
-                        <p:par>
-                          <p:cTn id="25" fill="hold">
-                            <p:stCondLst>
-                              <p:cond delay="0"/>
-                            </p:stCondLst>
-                            <p:childTnLst>
-                              <p:par>
-                                <p:cTn id="26" presetID="42" presetClass="entr" presetSubtype="0" fill="hold" nodeType="clickEffect">
-                                  <p:stCondLst>
-                                    <p:cond delay="0"/>
-                                  </p:stCondLst>
-                                  <p:childTnLst>
-                                    <p:set>
-                                      <p:cBhvr>
-                                        <p:cTn id="27" dur="1" fill="hold">
-                                          <p:stCondLst>
-                                            <p:cond delay="0"/>
-                                          </p:stCondLst>
-                                        </p:cTn>
-                                        <p:tgtEl>
-                                          <p:spTgt spid="3">
-                                            <p:txEl>
-                                              <p:pRg st="8" end="8"/>
-                                            </p:txEl>
-                                          </p:spTgt>
-                                        </p:tgtEl>
-                                        <p:attrNameLst>
-                                          <p:attrName>style.visibility</p:attrName>
-                                        </p:attrNameLst>
-                                      </p:cBhvr>
-                                      <p:to>
-                                        <p:strVal val="visible"/>
-                                      </p:to>
-                                    </p:set>
-                                    <p:animEffect transition="in" filter="fade">
-                                      <p:cBhvr>
-                                        <p:cTn id="28" dur="1000"/>
-                                        <p:tgtEl>
-                                          <p:spTgt spid="3">
-                                            <p:txEl>
-                                              <p:pRg st="8" end="8"/>
-                                            </p:txEl>
-                                          </p:spTgt>
-                                        </p:tgtEl>
-                                      </p:cBhvr>
-                                    </p:animEffect>
-                                    <p:anim calcmode="lin" valueType="num">
-                                      <p:cBhvr>
-                                        <p:cTn id="29" dur="1000" fill="hold"/>
                                         <p:tgtEl>
                                           <p:spTgt spid="3">
                                             <p:txEl>
@@ -12413,7 +12210,7 @@
                                     </p:anim>
                                     <p:anim calcmode="lin" valueType="num">
                                       <p:cBhvr>
-                                        <p:cTn id="30" dur="1000" fill="hold"/>
+                                        <p:cTn id="9" dur="1000" fill="hold"/>
                                         <p:tgtEl>
                                           <p:spTgt spid="3">
                                             <p:txEl>
@@ -22100,6 +21897,13 @@
   <p:clrMapOvr>
     <a:masterClrMapping/>
   </p:clrMapOvr>
+  <p:timing>
+    <p:tnLst>
+      <p:par>
+        <p:cTn id="1" dur="indefinite" restart="never" nodeType="tmRoot"/>
+      </p:par>
+    </p:tnLst>
+  </p:timing>
 </p:sld>
 </file>
 
@@ -22136,7 +21940,7 @@
                 <a16:creationId xmlns:a16="http://schemas.microsoft.com/office/drawing/2014/main" id="{D4993743-B10A-433C-9996-3035D2C3ABC6}"/>
               </a:ext>
               <a:ext uri="{C183D7F6-B498-43B3-948B-1728B52AA6E4}">
-                <adec:decorative xmlns="" xmlns:adec="http://schemas.microsoft.com/office/drawing/2017/decorative" val="1"/>
+                <adec:decorative xmlns:adec="http://schemas.microsoft.com/office/drawing/2017/decorative" xmlns="" val="1"/>
               </a:ext>
             </a:extLst>
           </p:cNvPr>
@@ -22196,7 +22000,7 @@
                 <a16:creationId xmlns:a16="http://schemas.microsoft.com/office/drawing/2014/main" id="{BB3B8946-A0AA-42D4-8A24-639DC6EA170E}"/>
               </a:ext>
               <a:ext uri="{C183D7F6-B498-43B3-948B-1728B52AA6E4}">
-                <adec:decorative xmlns="" xmlns:adec="http://schemas.microsoft.com/office/drawing/2017/decorative" val="1"/>
+                <adec:decorative xmlns:adec="http://schemas.microsoft.com/office/drawing/2017/decorative" xmlns="" val="1"/>
               </a:ext>
             </a:extLst>
           </p:cNvPr>
@@ -22299,7 +22103,7 @@
                 <a16:creationId xmlns:a16="http://schemas.microsoft.com/office/drawing/2014/main" id="{AB1038E6-06EF-4DCB-B52E-D3825C50F7C6}"/>
               </a:ext>
               <a:ext uri="{C183D7F6-B498-43B3-948B-1728B52AA6E4}">
-                <adec:decorative xmlns="" xmlns:adec="http://schemas.microsoft.com/office/drawing/2017/decorative" val="1"/>
+                <adec:decorative xmlns:adec="http://schemas.microsoft.com/office/drawing/2017/decorative" xmlns="" val="1"/>
               </a:ext>
             </a:extLst>
           </p:cNvPr>
@@ -22402,7 +22206,7 @@
                 <a16:creationId xmlns:a16="http://schemas.microsoft.com/office/drawing/2014/main" id="{5C7EF35C-8B7D-4026-8F09-8B2B2250579B}"/>
               </a:ext>
               <a:ext uri="{C183D7F6-B498-43B3-948B-1728B52AA6E4}">
-                <adec:decorative xmlns="" xmlns:adec="http://schemas.microsoft.com/office/drawing/2017/decorative" val="1"/>
+                <adec:decorative xmlns:adec="http://schemas.microsoft.com/office/drawing/2017/decorative" xmlns="" val="1"/>
               </a:ext>
             </a:extLst>
           </p:cNvPr>
@@ -22505,7 +22309,7 @@
                 <a16:creationId xmlns:a16="http://schemas.microsoft.com/office/drawing/2014/main" id="{5F24A71D-C0A9-49AC-B2D1-5A9EA2BD383E}"/>
               </a:ext>
               <a:ext uri="{C183D7F6-B498-43B3-948B-1728B52AA6E4}">
-                <adec:decorative xmlns="" xmlns:adec="http://schemas.microsoft.com/office/drawing/2017/decorative" val="1"/>
+                <adec:decorative xmlns:adec="http://schemas.microsoft.com/office/drawing/2017/decorative" xmlns="" val="1"/>
               </a:ext>
             </a:extLst>
           </p:cNvPr>
@@ -22608,7 +22412,7 @@
                 <a16:creationId xmlns:a16="http://schemas.microsoft.com/office/drawing/2014/main" id="{14280C55-570C-4284-9850-B2BA33DB6726}"/>
               </a:ext>
               <a:ext uri="{C183D7F6-B498-43B3-948B-1728B52AA6E4}">
-                <adec:decorative xmlns="" xmlns:adec="http://schemas.microsoft.com/office/drawing/2017/decorative" val="1"/>
+                <adec:decorative xmlns:adec="http://schemas.microsoft.com/office/drawing/2017/decorative" xmlns="" val="1"/>
               </a:ext>
             </a:extLst>
           </p:cNvPr>

--- a/Kubernetes.pptx
+++ b/Kubernetes.pptx
@@ -667,7 +667,7 @@
           <a:p>
             <a:fld id="{F7844957-8D96-4520-85A5-661CF7283C0E}" type="datetimeFigureOut">
               <a:rPr lang="en-IN" smtClean="0"/>
-              <a:t>15-02-2021</a:t>
+              <a:t>17-02-2021</a:t>
             </a:fld>
             <a:endParaRPr lang="en-IN"/>
           </a:p>
@@ -844,7 +844,7 @@
           <a:p>
             <a:fld id="{52415890-A38F-4BEE-A35E-E0441450E335}" type="datetimeFigureOut">
               <a:rPr lang="en-US"/>
-              <a:t>2/15/2021</a:t>
+              <a:t>2/17/2021</a:t>
             </a:fld>
             <a:endParaRPr lang="en-US"/>
           </a:p>
@@ -3559,7 +3559,7 @@
           <a:p>
             <a:fld id="{846CE7D5-CF57-46EF-B807-FDD0502418D4}" type="datetimeFigureOut">
               <a:rPr lang="en-US" smtClean="0"/>
-              <a:t>2/15/2021</a:t>
+              <a:t>2/17/2021</a:t>
             </a:fld>
             <a:endParaRPr lang="en-US"/>
           </a:p>
@@ -3751,7 +3751,7 @@
           <a:p>
             <a:fld id="{846CE7D5-CF57-46EF-B807-FDD0502418D4}" type="datetimeFigureOut">
               <a:rPr lang="en-US" smtClean="0"/>
-              <a:t>2/15/2021</a:t>
+              <a:t>2/17/2021</a:t>
             </a:fld>
             <a:endParaRPr lang="en-US"/>
           </a:p>
@@ -3953,7 +3953,7 @@
           <a:p>
             <a:fld id="{846CE7D5-CF57-46EF-B807-FDD0502418D4}" type="datetimeFigureOut">
               <a:rPr lang="en-US" smtClean="0"/>
-              <a:t>2/15/2021</a:t>
+              <a:t>2/17/2021</a:t>
             </a:fld>
             <a:endParaRPr lang="en-US"/>
           </a:p>
@@ -4179,7 +4179,7 @@
           <a:p>
             <a:fld id="{846CE7D5-CF57-46EF-B807-FDD0502418D4}" type="datetimeFigureOut">
               <a:rPr lang="en-US" smtClean="0"/>
-              <a:t>2/15/2021</a:t>
+              <a:t>2/17/2021</a:t>
             </a:fld>
             <a:endParaRPr lang="en-US"/>
           </a:p>
@@ -4379,7 +4379,7 @@
           <a:p>
             <a:fld id="{7D1D60B3-2BE2-40C1-81A2-38A4B60816D5}" type="datetimeFigureOut">
               <a:rPr lang="en-IN" smtClean="0"/>
-              <a:t>15-02-2021</a:t>
+              <a:t>17-02-2021</a:t>
             </a:fld>
             <a:endParaRPr lang="en-IN"/>
           </a:p>
@@ -4655,7 +4655,7 @@
           <a:p>
             <a:fld id="{846CE7D5-CF57-46EF-B807-FDD0502418D4}" type="datetimeFigureOut">
               <a:rPr lang="en-US" smtClean="0"/>
-              <a:t>2/15/2021</a:t>
+              <a:t>2/17/2021</a:t>
             </a:fld>
             <a:endParaRPr lang="en-US"/>
           </a:p>
@@ -4923,7 +4923,7 @@
           <a:p>
             <a:fld id="{846CE7D5-CF57-46EF-B807-FDD0502418D4}" type="datetimeFigureOut">
               <a:rPr lang="en-US" smtClean="0"/>
-              <a:t>2/15/2021</a:t>
+              <a:t>2/17/2021</a:t>
             </a:fld>
             <a:endParaRPr lang="en-US"/>
           </a:p>
@@ -5338,7 +5338,7 @@
           <a:p>
             <a:fld id="{846CE7D5-CF57-46EF-B807-FDD0502418D4}" type="datetimeFigureOut">
               <a:rPr lang="en-US" smtClean="0"/>
-              <a:t>2/15/2021</a:t>
+              <a:t>2/17/2021</a:t>
             </a:fld>
             <a:endParaRPr lang="en-US"/>
           </a:p>
@@ -5480,7 +5480,7 @@
           <a:p>
             <a:fld id="{846CE7D5-CF57-46EF-B807-FDD0502418D4}" type="datetimeFigureOut">
               <a:rPr lang="en-US" smtClean="0"/>
-              <a:t>2/15/2021</a:t>
+              <a:t>2/17/2021</a:t>
             </a:fld>
             <a:endParaRPr lang="en-US"/>
           </a:p>
@@ -5593,7 +5593,7 @@
           <a:p>
             <a:fld id="{846CE7D5-CF57-46EF-B807-FDD0502418D4}" type="datetimeFigureOut">
               <a:rPr lang="en-US" smtClean="0"/>
-              <a:t>2/15/2021</a:t>
+              <a:t>2/17/2021</a:t>
             </a:fld>
             <a:endParaRPr lang="en-US"/>
           </a:p>
@@ -5906,7 +5906,7 @@
           <a:p>
             <a:fld id="{846CE7D5-CF57-46EF-B807-FDD0502418D4}" type="datetimeFigureOut">
               <a:rPr lang="en-US" smtClean="0"/>
-              <a:t>2/15/2021</a:t>
+              <a:t>2/17/2021</a:t>
             </a:fld>
             <a:endParaRPr lang="en-US"/>
           </a:p>
@@ -6140,7 +6140,7 @@
           <a:p>
             <a:fld id="{846CE7D5-CF57-46EF-B807-FDD0502418D4}" type="datetimeFigureOut">
               <a:rPr lang="en-US" smtClean="0"/>
-              <a:t>2/15/2021</a:t>
+              <a:t>2/17/2021</a:t>
             </a:fld>
             <a:endParaRPr lang="en-US"/>
           </a:p>
@@ -6433,7 +6433,7 @@
           <a:p>
             <a:fld id="{846CE7D5-CF57-46EF-B807-FDD0502418D4}" type="datetimeFigureOut">
               <a:rPr lang="en-US" smtClean="0"/>
-              <a:t>2/15/2021</a:t>
+              <a:t>2/17/2021</a:t>
             </a:fld>
             <a:endParaRPr lang="en-US"/>
           </a:p>
@@ -6633,7 +6633,7 @@
           <a:p>
             <a:fld id="{846CE7D5-CF57-46EF-B807-FDD0502418D4}" type="datetimeFigureOut">
               <a:rPr lang="en-US" smtClean="0"/>
-              <a:t>2/15/2021</a:t>
+              <a:t>2/17/2021</a:t>
             </a:fld>
             <a:endParaRPr lang="en-US"/>
           </a:p>
@@ -6843,7 +6843,7 @@
           <a:p>
             <a:fld id="{846CE7D5-CF57-46EF-B807-FDD0502418D4}" type="datetimeFigureOut">
               <a:rPr lang="en-US" smtClean="0"/>
-              <a:t>2/15/2021</a:t>
+              <a:t>2/17/2021</a:t>
             </a:fld>
             <a:endParaRPr lang="en-US"/>
           </a:p>
@@ -7043,7 +7043,7 @@
           <a:p>
             <a:fld id="{7D1D60B3-2BE2-40C1-81A2-38A4B60816D5}" type="datetimeFigureOut">
               <a:rPr lang="en-IN" smtClean="0"/>
-              <a:t>15-02-2021</a:t>
+              <a:t>17-02-2021</a:t>
             </a:fld>
             <a:endParaRPr lang="en-IN"/>
           </a:p>
@@ -7308,7 +7308,7 @@
           <a:p>
             <a:fld id="{846CE7D5-CF57-46EF-B807-FDD0502418D4}" type="datetimeFigureOut">
               <a:rPr lang="en-US" smtClean="0"/>
-              <a:t>2/15/2021</a:t>
+              <a:t>2/17/2021</a:t>
             </a:fld>
             <a:endParaRPr lang="en-US"/>
           </a:p>
@@ -7653,7 +7653,7 @@
           <a:p>
             <a:fld id="{846CE7D5-CF57-46EF-B807-FDD0502418D4}" type="datetimeFigureOut">
               <a:rPr lang="en-US" smtClean="0"/>
-              <a:t>2/15/2021</a:t>
+              <a:t>2/17/2021</a:t>
             </a:fld>
             <a:endParaRPr lang="en-US"/>
           </a:p>
@@ -8041,7 +8041,7 @@
           <a:p>
             <a:fld id="{846CE7D5-CF57-46EF-B807-FDD0502418D4}" type="datetimeFigureOut">
               <a:rPr lang="en-US" smtClean="0"/>
-              <a:t>2/15/2021</a:t>
+              <a:t>2/17/2021</a:t>
             </a:fld>
             <a:endParaRPr lang="en-US"/>
           </a:p>
@@ -8182,7 +8182,7 @@
           <a:p>
             <a:fld id="{846CE7D5-CF57-46EF-B807-FDD0502418D4}" type="datetimeFigureOut">
               <a:rPr lang="en-US" smtClean="0"/>
-              <a:t>2/15/2021</a:t>
+              <a:t>2/17/2021</a:t>
             </a:fld>
             <a:endParaRPr lang="en-US"/>
           </a:p>
@@ -8301,7 +8301,7 @@
           <a:p>
             <a:fld id="{846CE7D5-CF57-46EF-B807-FDD0502418D4}" type="datetimeFigureOut">
               <a:rPr lang="en-US" smtClean="0"/>
-              <a:t>2/15/2021</a:t>
+              <a:t>2/17/2021</a:t>
             </a:fld>
             <a:endParaRPr lang="en-US"/>
           </a:p>
@@ -8600,7 +8600,7 @@
           <a:p>
             <a:fld id="{846CE7D5-CF57-46EF-B807-FDD0502418D4}" type="datetimeFigureOut">
               <a:rPr lang="en-US" smtClean="0"/>
-              <a:t>2/15/2021</a:t>
+              <a:t>2/17/2021</a:t>
             </a:fld>
             <a:endParaRPr lang="en-US"/>
           </a:p>
@@ -8879,7 +8879,7 @@
           <a:p>
             <a:fld id="{846CE7D5-CF57-46EF-B807-FDD0502418D4}" type="datetimeFigureOut">
               <a:rPr lang="en-US" smtClean="0"/>
-              <a:t>2/15/2021</a:t>
+              <a:t>2/17/2021</a:t>
             </a:fld>
             <a:endParaRPr lang="en-US"/>
           </a:p>
@@ -9688,7 +9688,7 @@
           <a:p>
             <a:fld id="{7D1D60B3-2BE2-40C1-81A2-38A4B60816D5}" type="datetimeFigureOut">
               <a:rPr lang="en-IN" smtClean="0"/>
-              <a:t>15-02-2021</a:t>
+              <a:t>17-02-2021</a:t>
             </a:fld>
             <a:endParaRPr lang="en-IN"/>
           </a:p>
@@ -10210,7 +10210,7 @@
       </p:grpSpPr>
       <p:sp>
         <p:nvSpPr>
-          <p:cNvPr id="3" name="Title 2"/>
+          <p:cNvPr id="4" name="Title 3"/>
           <p:cNvSpPr>
             <a:spLocks noGrp="1"/>
           </p:cNvSpPr>
@@ -10224,7 +10224,7 @@
           <a:lstStyle/>
           <a:p>
             <a:r>
-              <a:rPr lang="en-AU" dirty="0" smtClean="0"/>
+              <a:rPr lang="en-AU" smtClean="0"/>
               <a:t>Kubernetes Introduction</a:t>
             </a:r>
             <a:endParaRPr lang="en-AU" dirty="0"/>
@@ -10233,7 +10233,7 @@
       </p:sp>
       <p:sp>
         <p:nvSpPr>
-          <p:cNvPr id="4" name="Subtitle 3"/>
+          <p:cNvPr id="7" name="Subtitle 6"/>
           <p:cNvSpPr>
             <a:spLocks noGrp="1"/>
           </p:cNvSpPr>
@@ -10243,28 +10243,17 @@
         </p:nvSpPr>
         <p:spPr/>
         <p:txBody>
-          <a:bodyPr>
-            <a:normAutofit/>
-          </a:bodyPr>
+          <a:bodyPr/>
           <a:lstStyle/>
           <a:p>
-            <a:pPr algn="r"/>
-            <a:endParaRPr lang="en-AU" dirty="0" smtClean="0"/>
-          </a:p>
-          <a:p>
-            <a:pPr algn="r"/>
-            <a:endParaRPr lang="en-AU" dirty="0"/>
-          </a:p>
-          <a:p>
-            <a:pPr algn="r"/>
-            <a:endParaRPr lang="en-AU" dirty="0" smtClean="0"/>
+            <a:endParaRPr lang="en-AU"/>
           </a:p>
         </p:txBody>
       </p:sp>
     </p:spTree>
     <p:extLst>
       <p:ext uri="{BB962C8B-B14F-4D97-AF65-F5344CB8AC3E}">
-        <p14:creationId xmlns:p14="http://schemas.microsoft.com/office/powerpoint/2010/main" val="1373270791"/>
+        <p14:creationId xmlns:p14="http://schemas.microsoft.com/office/powerpoint/2010/main" val="987045070"/>
       </p:ext>
     </p:extLst>
   </p:cSld>
@@ -10494,52 +10483,98 @@
           <a:lstStyle/>
           <a:p>
             <a:pPr marL="0" indent="0">
+              <a:lnSpc>
+                <a:spcPct val="150000"/>
+              </a:lnSpc>
               <a:buNone/>
             </a:pPr>
             <a:r>
-              <a:rPr lang="en-IN" dirty="0" err="1" smtClean="0"/>
+              <a:rPr lang="en-IN" sz="2400" dirty="0" err="1">
+                <a:solidFill>
+                  <a:schemeClr val="tx1"/>
+                </a:solidFill>
+              </a:rPr>
               <a:t>Kubeadm</a:t>
             </a:r>
-            <a:endParaRPr lang="en-IN" dirty="0"/>
+            <a:endParaRPr lang="en-IN" sz="2400" dirty="0">
+              <a:solidFill>
+                <a:schemeClr val="tx1"/>
+              </a:solidFill>
+            </a:endParaRPr>
           </a:p>
           <a:p>
             <a:pPr marL="0" indent="0">
+              <a:lnSpc>
+                <a:spcPct val="150000"/>
+              </a:lnSpc>
               <a:buNone/>
             </a:pPr>
             <a:r>
-              <a:rPr lang="en-IN" dirty="0"/>
+              <a:rPr lang="en-IN" sz="2400" dirty="0">
+                <a:solidFill>
+                  <a:schemeClr val="tx1"/>
+                </a:solidFill>
+              </a:rPr>
               <a:t>Docker for desktop</a:t>
             </a:r>
           </a:p>
           <a:p>
             <a:pPr marL="0" indent="0">
+              <a:lnSpc>
+                <a:spcPct val="150000"/>
+              </a:lnSpc>
               <a:buNone/>
             </a:pPr>
             <a:r>
-              <a:rPr lang="en-IN" dirty="0" err="1"/>
+              <a:rPr lang="en-IN" sz="2400" dirty="0" err="1">
+                <a:solidFill>
+                  <a:schemeClr val="tx1"/>
+                </a:solidFill>
+              </a:rPr>
               <a:t>Minikube</a:t>
             </a:r>
-            <a:endParaRPr lang="en-IN" dirty="0"/>
+            <a:endParaRPr lang="en-IN" sz="2400" dirty="0">
+              <a:solidFill>
+                <a:schemeClr val="tx1"/>
+              </a:solidFill>
+            </a:endParaRPr>
           </a:p>
           <a:p>
             <a:pPr marL="0" indent="0">
+              <a:lnSpc>
+                <a:spcPct val="150000"/>
+              </a:lnSpc>
               <a:buNone/>
             </a:pPr>
             <a:r>
-              <a:rPr lang="en-IN" dirty="0" err="1" smtClean="0"/>
+              <a:rPr lang="en-IN" sz="2400" dirty="0" err="1">
+                <a:solidFill>
+                  <a:schemeClr val="tx1"/>
+                </a:solidFill>
+              </a:rPr>
               <a:t>Kubectl</a:t>
             </a:r>
-            <a:endParaRPr lang="en-IN" dirty="0" smtClean="0"/>
+            <a:endParaRPr lang="en-IN" sz="2400" dirty="0">
+              <a:solidFill>
+                <a:schemeClr val="tx1"/>
+              </a:solidFill>
+            </a:endParaRPr>
           </a:p>
           <a:p>
             <a:pPr marL="0" indent="0">
+              <a:lnSpc>
+                <a:spcPct val="150000"/>
+              </a:lnSpc>
               <a:buNone/>
             </a:pPr>
             <a:r>
-              <a:rPr lang="en-IN" dirty="0" smtClean="0"/>
+              <a:rPr lang="en-IN" sz="2400" dirty="0">
+                <a:solidFill>
+                  <a:schemeClr val="tx1"/>
+                </a:solidFill>
+              </a:rPr>
               <a:t>Helm</a:t>
             </a:r>
-            <a:endParaRPr lang="en-IN" dirty="0"/>
           </a:p>
         </p:txBody>
       </p:sp>
@@ -11266,10 +11301,17 @@
           <a:lstStyle/>
           <a:p>
             <a:pPr marL="0" indent="0">
+              <a:lnSpc>
+                <a:spcPct val="150000"/>
+              </a:lnSpc>
               <a:buNone/>
             </a:pPr>
             <a:r>
-              <a:rPr lang="en-US" dirty="0"/>
+              <a:rPr lang="en-US" sz="2400" dirty="0">
+                <a:solidFill>
+                  <a:schemeClr val="tx1"/>
+                </a:solidFill>
+              </a:rPr>
               <a:t>Namespaces are a logical cluster or environment, and are the primary method of partitioning a cluster or scoping access. </a:t>
             </a:r>
           </a:p>
@@ -11391,73 +11433,75 @@
         </p:nvSpPr>
         <p:spPr/>
         <p:txBody>
-          <a:bodyPr/>
+          <a:bodyPr>
+            <a:normAutofit/>
+          </a:bodyPr>
           <a:lstStyle/>
           <a:p>
             <a:pPr marL="0" indent="0">
+              <a:lnSpc>
+                <a:spcPct val="150000"/>
+              </a:lnSpc>
               <a:buNone/>
             </a:pPr>
             <a:r>
-              <a:rPr lang="en-US" dirty="0"/>
-              <a:t>key-value pairs that are used </a:t>
-            </a:r>
-            <a:r>
-              <a:rPr lang="en-US" dirty="0" smtClean="0"/>
-              <a:t>to identify</a:t>
-            </a:r>
-            <a:r>
-              <a:rPr lang="en-US" dirty="0"/>
-              <a:t>, describe and group</a:t>
+              <a:rPr lang="en-US" sz="2400" dirty="0">
+                <a:solidFill>
+                  <a:schemeClr val="tx1"/>
+                </a:solidFill>
+              </a:rPr>
+              <a:t>key-value pairs that are used to identify, describe and group</a:t>
             </a:r>
           </a:p>
           <a:p>
             <a:pPr marL="0" indent="0">
+              <a:lnSpc>
+                <a:spcPct val="150000"/>
+              </a:lnSpc>
               <a:buNone/>
             </a:pPr>
             <a:r>
-              <a:rPr lang="en-US" dirty="0"/>
-              <a:t>together related sets of objects </a:t>
-            </a:r>
-            <a:r>
-              <a:rPr lang="en-US" dirty="0" smtClean="0"/>
-              <a:t>or resources</a:t>
-            </a:r>
-            <a:r>
-              <a:rPr lang="en-US" dirty="0"/>
-              <a:t>.</a:t>
+              <a:rPr lang="en-US" sz="2400" dirty="0">
+                <a:solidFill>
+                  <a:schemeClr val="tx1"/>
+                </a:solidFill>
+              </a:rPr>
+              <a:t>together related sets of objects or resources.</a:t>
             </a:r>
           </a:p>
           <a:p>
             <a:pPr marL="0" indent="0">
+              <a:lnSpc>
+                <a:spcPct val="150000"/>
+              </a:lnSpc>
               <a:buNone/>
             </a:pPr>
-            <a:endParaRPr lang="en-US" dirty="0" smtClean="0"/>
+            <a:endParaRPr lang="en-US" sz="2400" dirty="0">
+              <a:solidFill>
+                <a:schemeClr val="tx1"/>
+              </a:solidFill>
+            </a:endParaRPr>
           </a:p>
           <a:p>
             <a:pPr marL="0" indent="0">
+              <a:lnSpc>
+                <a:spcPct val="150000"/>
+              </a:lnSpc>
               <a:buNone/>
             </a:pPr>
             <a:r>
-              <a:rPr lang="en-US" dirty="0" smtClean="0"/>
-              <a:t>Have </a:t>
-            </a:r>
-            <a:r>
-              <a:rPr lang="en-US" dirty="0"/>
-              <a:t>a strict syntax with a </a:t>
-            </a:r>
-            <a:r>
-              <a:rPr lang="en-US" dirty="0" smtClean="0"/>
-              <a:t>slightly limited </a:t>
-            </a:r>
-            <a:r>
-              <a:rPr lang="en-US" dirty="0"/>
-              <a:t>character </a:t>
-            </a:r>
-            <a:r>
-              <a:rPr lang="en-US" dirty="0" smtClean="0"/>
-              <a:t>set.</a:t>
-            </a:r>
-            <a:endParaRPr lang="en-IN" dirty="0"/>
+              <a:rPr lang="en-US" sz="2400" dirty="0">
+                <a:solidFill>
+                  <a:schemeClr val="tx1"/>
+                </a:solidFill>
+              </a:rPr>
+              <a:t>Have a strict syntax with a slightly limited character set.</a:t>
+            </a:r>
+            <a:endParaRPr lang="en-IN" sz="2400" dirty="0">
+              <a:solidFill>
+                <a:schemeClr val="tx1"/>
+              </a:solidFill>
+            </a:endParaRPr>
           </a:p>
         </p:txBody>
       </p:sp>
@@ -11551,24 +11595,12 @@
               <a:buNone/>
             </a:pPr>
             <a:r>
-              <a:rPr lang="en-US" dirty="0"/>
-              <a:t>Atomic unit or </a:t>
-            </a:r>
-            <a:r>
-              <a:rPr lang="en-US" dirty="0" smtClean="0"/>
-              <a:t>smallest “</a:t>
-            </a:r>
-            <a:r>
-              <a:rPr lang="en-US" dirty="0"/>
-              <a:t>unit of work</a:t>
-            </a:r>
-            <a:r>
-              <a:rPr lang="en-US" dirty="0" smtClean="0"/>
-              <a:t>” of </a:t>
-            </a:r>
-            <a:r>
-              <a:rPr lang="en-US" dirty="0"/>
-              <a:t>Kubernetes.</a:t>
+              <a:rPr lang="en-US" sz="2400" dirty="0">
+                <a:solidFill>
+                  <a:schemeClr val="tx1"/>
+                </a:solidFill>
+              </a:rPr>
+              <a:t>Atomic unit or smallest “unit of work” of Kubernetes.</a:t>
             </a:r>
           </a:p>
           <a:p>
@@ -11576,24 +11608,12 @@
               <a:buNone/>
             </a:pPr>
             <a:r>
-              <a:rPr lang="en-US" dirty="0"/>
-              <a:t>Pods are one or </a:t>
-            </a:r>
-            <a:r>
-              <a:rPr lang="en-US" dirty="0" smtClean="0"/>
-              <a:t>MORE containers </a:t>
-            </a:r>
-            <a:r>
-              <a:rPr lang="en-US" dirty="0"/>
-              <a:t>that </a:t>
-            </a:r>
-            <a:r>
-              <a:rPr lang="en-US" dirty="0" smtClean="0"/>
-              <a:t>share volumes </a:t>
-            </a:r>
-            <a:r>
-              <a:rPr lang="en-US" dirty="0"/>
-              <a:t>and namespace.</a:t>
+              <a:rPr lang="en-US" sz="2400" dirty="0">
+                <a:solidFill>
+                  <a:schemeClr val="tx1"/>
+                </a:solidFill>
+              </a:rPr>
+              <a:t>Pods are one or MORE containers that share volumes and namespace.</a:t>
             </a:r>
           </a:p>
           <a:p>
@@ -11625,22 +11645,18 @@
               <a:buNone/>
             </a:pPr>
             <a:r>
-              <a:rPr lang="en-US" dirty="0" smtClean="0"/>
-              <a:t>They </a:t>
-            </a:r>
-            <a:r>
-              <a:rPr lang="en-US"/>
-              <a:t>are </a:t>
-            </a:r>
-            <a:r>
-              <a:rPr lang="en-US" smtClean="0"/>
-              <a:t>ephemeral</a:t>
-            </a:r>
-            <a:r>
-              <a:rPr lang="en-US" dirty="0"/>
-              <a:t>!</a:t>
-            </a:r>
-            <a:endParaRPr lang="en-IN" dirty="0"/>
+              <a:rPr lang="en-US" sz="2400" dirty="0">
+                <a:solidFill>
+                  <a:schemeClr val="tx1"/>
+                </a:solidFill>
+              </a:rPr>
+              <a:t>They are ephemeral!</a:t>
+            </a:r>
+            <a:endParaRPr lang="en-IN" sz="2400" dirty="0">
+              <a:solidFill>
+                <a:schemeClr val="tx1"/>
+              </a:solidFill>
+            </a:endParaRPr>
           </a:p>
         </p:txBody>
       </p:sp>
@@ -11984,92 +12000,121 @@
         <p:spPr/>
         <p:txBody>
           <a:bodyPr>
-            <a:normAutofit lnSpcReduction="10000"/>
+            <a:normAutofit/>
           </a:bodyPr>
           <a:lstStyle/>
           <a:p>
             <a:pPr marL="0" indent="0">
+              <a:lnSpc>
+                <a:spcPct val="150000"/>
+              </a:lnSpc>
               <a:buNone/>
             </a:pPr>
             <a:r>
-              <a:rPr lang="en-US" dirty="0"/>
-              <a:t>Unified method of </a:t>
-            </a:r>
-            <a:r>
-              <a:rPr lang="en-US" dirty="0" smtClean="0"/>
-              <a:t>accessing the </a:t>
-            </a:r>
-            <a:r>
-              <a:rPr lang="en-US" dirty="0"/>
-              <a:t>exposed workloads of Pods.</a:t>
-            </a:r>
+              <a:rPr lang="en-US" sz="2400" dirty="0">
+                <a:solidFill>
+                  <a:schemeClr val="tx1"/>
+                </a:solidFill>
+              </a:rPr>
+              <a:t>Unified method of accessing the exposed workloads of Pods</a:t>
+            </a:r>
+            <a:r>
+              <a:rPr lang="en-US" sz="2400" dirty="0" smtClean="0">
+                <a:solidFill>
+                  <a:schemeClr val="tx1"/>
+                </a:solidFill>
+              </a:rPr>
+              <a:t>.</a:t>
+            </a:r>
+            <a:endParaRPr lang="en-US" sz="2400" dirty="0">
+              <a:solidFill>
+                <a:schemeClr val="tx1"/>
+              </a:solidFill>
+            </a:endParaRPr>
           </a:p>
           <a:p>
             <a:pPr marL="0" indent="0">
+              <a:lnSpc>
+                <a:spcPct val="150000"/>
+              </a:lnSpc>
               <a:buNone/>
             </a:pPr>
-            <a:endParaRPr lang="en-US" dirty="0" smtClean="0"/>
+            <a:r>
+              <a:rPr lang="en-US" sz="2400" dirty="0">
+                <a:solidFill>
+                  <a:schemeClr val="tx1"/>
+                </a:solidFill>
+              </a:rPr>
+              <a:t>Durable </a:t>
+            </a:r>
+            <a:r>
+              <a:rPr lang="en-US" sz="2400" dirty="0" smtClean="0">
+                <a:solidFill>
+                  <a:schemeClr val="tx1"/>
+                </a:solidFill>
+              </a:rPr>
+              <a:t>resource</a:t>
+            </a:r>
+            <a:endParaRPr lang="en-US" sz="2400" dirty="0">
+              <a:solidFill>
+                <a:schemeClr val="tx1"/>
+              </a:solidFill>
+            </a:endParaRPr>
           </a:p>
           <a:p>
             <a:pPr marL="0" indent="0">
+              <a:lnSpc>
+                <a:spcPct val="150000"/>
+              </a:lnSpc>
               <a:buNone/>
             </a:pPr>
             <a:r>
-              <a:rPr lang="en-US" dirty="0" smtClean="0"/>
-              <a:t>Durable </a:t>
-            </a:r>
-            <a:r>
-              <a:rPr lang="en-US" dirty="0"/>
-              <a:t>resource</a:t>
+              <a:rPr lang="en-US" sz="2400" dirty="0">
+                <a:solidFill>
+                  <a:schemeClr val="tx1"/>
+                </a:solidFill>
+              </a:rPr>
+              <a:t>DNS name </a:t>
             </a:r>
           </a:p>
           <a:p>
             <a:pPr marL="0" indent="0">
+              <a:lnSpc>
+                <a:spcPct val="150000"/>
+              </a:lnSpc>
               <a:buNone/>
             </a:pPr>
-            <a:endParaRPr lang="en-US" dirty="0" smtClean="0"/>
+            <a:r>
+              <a:rPr lang="en-US" sz="2400" dirty="0">
+                <a:solidFill>
+                  <a:schemeClr val="tx1"/>
+                </a:solidFill>
+              </a:rPr>
+              <a:t>&lt;service name&gt;.&lt;namespace&gt;.</a:t>
+            </a:r>
+            <a:r>
+              <a:rPr lang="en-US" sz="2400" dirty="0" err="1" smtClean="0">
+                <a:solidFill>
+                  <a:schemeClr val="tx1"/>
+                </a:solidFill>
+              </a:rPr>
+              <a:t>svc.cluster.local</a:t>
+            </a:r>
+            <a:endParaRPr lang="en-US" dirty="0"/>
           </a:p>
           <a:p>
             <a:pPr marL="0" indent="0">
+              <a:lnSpc>
+                <a:spcPct val="150000"/>
+              </a:lnSpc>
               <a:buNone/>
             </a:pPr>
             <a:r>
-              <a:rPr lang="en-US" dirty="0" smtClean="0"/>
-              <a:t>DNS name </a:t>
-            </a:r>
-          </a:p>
-          <a:p>
-            <a:pPr marL="0" indent="0">
-              <a:buNone/>
-            </a:pPr>
-            <a:r>
-              <a:rPr lang="en-US" dirty="0" smtClean="0"/>
-              <a:t>&lt;service name&gt;.&lt;namespace&gt;.</a:t>
-            </a:r>
-            <a:r>
-              <a:rPr lang="en-US" dirty="0" err="1" smtClean="0"/>
-              <a:t>svc.cluster.local</a:t>
-            </a:r>
-            <a:endParaRPr lang="en-IN" dirty="0" smtClean="0"/>
-          </a:p>
-          <a:p>
-            <a:pPr marL="0" indent="0">
-              <a:buNone/>
-            </a:pPr>
-            <a:endParaRPr lang="en-US" dirty="0"/>
-          </a:p>
-          <a:p>
-            <a:pPr marL="0" indent="0">
-              <a:buNone/>
-            </a:pPr>
-            <a:endParaRPr lang="en-US" dirty="0"/>
-          </a:p>
-          <a:p>
-            <a:pPr marL="0" indent="0">
-              <a:buNone/>
-            </a:pPr>
-            <a:r>
-              <a:rPr lang="en-IN" dirty="0"/>
+              <a:rPr lang="en-IN" sz="2400" dirty="0">
+                <a:solidFill>
+                  <a:schemeClr val="tx1"/>
+                </a:solidFill>
+              </a:rPr>
               <a:t>NOT Ephemeral!</a:t>
             </a:r>
           </a:p>
@@ -12157,7 +12202,7 @@
                                         <p:tgtEl>
                                           <p:spTgt spid="3">
                                             <p:txEl>
-                                              <p:pRg st="8" end="8"/>
+                                              <p:pRg st="4" end="4"/>
                                             </p:txEl>
                                           </p:spTgt>
                                         </p:tgtEl>
@@ -12175,7 +12220,7 @@
                                         <p:tgtEl>
                                           <p:spTgt spid="3">
                                             <p:txEl>
-                                              <p:pRg st="8" end="8"/>
+                                              <p:pRg st="4" end="4"/>
                                             </p:txEl>
                                           </p:spTgt>
                                         </p:tgtEl>
@@ -12187,7 +12232,7 @@
                                         <p:tgtEl>
                                           <p:spTgt spid="3">
                                             <p:txEl>
-                                              <p:pRg st="8" end="8"/>
+                                              <p:pRg st="4" end="4"/>
                                             </p:txEl>
                                           </p:spTgt>
                                         </p:tgtEl>
@@ -12214,7 +12259,7 @@
                                         <p:tgtEl>
                                           <p:spTgt spid="3">
                                             <p:txEl>
-                                              <p:pRg st="8" end="8"/>
+                                              <p:pRg st="4" end="4"/>
                                             </p:txEl>
                                           </p:spTgt>
                                         </p:tgtEl>
@@ -12485,66 +12530,104 @@
         </p:nvSpPr>
         <p:spPr/>
         <p:txBody>
-          <a:bodyPr/>
+          <a:bodyPr>
+            <a:normAutofit/>
+          </a:bodyPr>
           <a:lstStyle/>
           <a:p>
             <a:pPr marL="0" indent="0">
+              <a:lnSpc>
+                <a:spcPct val="150000"/>
+              </a:lnSpc>
               <a:buNone/>
             </a:pPr>
             <a:r>
-              <a:rPr lang="en-IN" dirty="0"/>
-              <a:t>● </a:t>
-            </a:r>
-            <a:r>
-              <a:rPr lang="en-IN" dirty="0" err="1"/>
+              <a:rPr lang="en-IN" sz="2400" dirty="0" err="1" smtClean="0">
+                <a:solidFill>
+                  <a:schemeClr val="tx1"/>
+                </a:solidFill>
+              </a:rPr>
               <a:t>ClusterIP</a:t>
             </a:r>
             <a:r>
-              <a:rPr lang="en-IN" dirty="0"/>
-              <a:t> (default)</a:t>
+              <a:rPr lang="en-IN" sz="2400" dirty="0" smtClean="0">
+                <a:solidFill>
+                  <a:schemeClr val="tx1"/>
+                </a:solidFill>
+              </a:rPr>
+              <a:t> </a:t>
+            </a:r>
+            <a:r>
+              <a:rPr lang="en-IN" sz="2400" dirty="0">
+                <a:solidFill>
+                  <a:schemeClr val="tx1"/>
+                </a:solidFill>
+              </a:rPr>
+              <a:t>(default)</a:t>
             </a:r>
           </a:p>
           <a:p>
             <a:pPr marL="0" indent="0">
+              <a:lnSpc>
+                <a:spcPct val="150000"/>
+              </a:lnSpc>
               <a:buNone/>
             </a:pPr>
             <a:r>
-              <a:rPr lang="en-IN" dirty="0"/>
-              <a:t>● </a:t>
-            </a:r>
-            <a:r>
-              <a:rPr lang="en-IN" dirty="0" err="1"/>
+              <a:rPr lang="en-IN" sz="2400" dirty="0" err="1" smtClean="0">
+                <a:solidFill>
+                  <a:schemeClr val="tx1"/>
+                </a:solidFill>
+              </a:rPr>
               <a:t>NodePort</a:t>
             </a:r>
-            <a:endParaRPr lang="en-IN" dirty="0"/>
+            <a:endParaRPr lang="en-IN" sz="2400" dirty="0">
+              <a:solidFill>
+                <a:schemeClr val="tx1"/>
+              </a:solidFill>
+            </a:endParaRPr>
           </a:p>
           <a:p>
             <a:pPr marL="0" indent="0">
+              <a:lnSpc>
+                <a:spcPct val="150000"/>
+              </a:lnSpc>
               <a:buNone/>
             </a:pPr>
             <a:r>
-              <a:rPr lang="en-IN" dirty="0"/>
-              <a:t>● </a:t>
-            </a:r>
-            <a:r>
-              <a:rPr lang="en-IN" dirty="0" err="1"/>
+              <a:rPr lang="en-IN" sz="2400" dirty="0" err="1" smtClean="0">
+                <a:solidFill>
+                  <a:schemeClr val="tx1"/>
+                </a:solidFill>
+              </a:rPr>
               <a:t>LoadBalancer</a:t>
             </a:r>
-            <a:endParaRPr lang="en-IN" dirty="0"/>
+            <a:endParaRPr lang="en-IN" sz="2400" dirty="0">
+              <a:solidFill>
+                <a:schemeClr val="tx1"/>
+              </a:solidFill>
+            </a:endParaRPr>
           </a:p>
           <a:p>
             <a:pPr marL="0" indent="0">
+              <a:lnSpc>
+                <a:spcPct val="150000"/>
+              </a:lnSpc>
               <a:buNone/>
             </a:pPr>
             <a:r>
-              <a:rPr lang="en-IN" dirty="0"/>
-              <a:t>● </a:t>
-            </a:r>
-            <a:r>
-              <a:rPr lang="en-IN" dirty="0" err="1"/>
+              <a:rPr lang="en-IN" sz="2400" dirty="0" err="1" smtClean="0">
+                <a:solidFill>
+                  <a:schemeClr val="tx1"/>
+                </a:solidFill>
+              </a:rPr>
               <a:t>ExternalName</a:t>
             </a:r>
-            <a:endParaRPr lang="en-IN" dirty="0"/>
+            <a:endParaRPr lang="en-IN" sz="2400" dirty="0">
+              <a:solidFill>
+                <a:schemeClr val="tx1"/>
+              </a:solidFill>
+            </a:endParaRPr>
           </a:p>
         </p:txBody>
       </p:sp>
@@ -20364,10 +20447,18 @@
               <a:buNone/>
             </a:pPr>
             <a:r>
-              <a:rPr lang="en-IN" dirty="0" err="1"/>
+              <a:rPr lang="en-IN" sz="2400" dirty="0" err="1">
+                <a:solidFill>
+                  <a:schemeClr val="tx1"/>
+                </a:solidFill>
+              </a:rPr>
               <a:t>ReplicaSet</a:t>
             </a:r>
-            <a:endParaRPr lang="en-IN" dirty="0"/>
+            <a:endParaRPr lang="en-IN" sz="2400" dirty="0">
+              <a:solidFill>
+                <a:schemeClr val="tx1"/>
+              </a:solidFill>
+            </a:endParaRPr>
           </a:p>
           <a:p>
             <a:pPr marL="0" indent="0">
@@ -20377,7 +20468,11 @@
               <a:buNone/>
             </a:pPr>
             <a:r>
-              <a:rPr lang="en-IN" dirty="0"/>
+              <a:rPr lang="en-IN" sz="2400" dirty="0">
+                <a:solidFill>
+                  <a:schemeClr val="tx1"/>
+                </a:solidFill>
+              </a:rPr>
               <a:t>Deployment</a:t>
             </a:r>
           </a:p>
@@ -20389,10 +20484,18 @@
               <a:buNone/>
             </a:pPr>
             <a:r>
-              <a:rPr lang="en-IN" dirty="0" err="1"/>
+              <a:rPr lang="en-IN" sz="2400" dirty="0" err="1">
+                <a:solidFill>
+                  <a:schemeClr val="tx1"/>
+                </a:solidFill>
+              </a:rPr>
               <a:t>DaemonSet</a:t>
             </a:r>
-            <a:endParaRPr lang="en-IN" dirty="0"/>
+            <a:endParaRPr lang="en-IN" sz="2400" dirty="0">
+              <a:solidFill>
+                <a:schemeClr val="tx1"/>
+              </a:solidFill>
+            </a:endParaRPr>
           </a:p>
           <a:p>
             <a:pPr marL="0" indent="0">
@@ -20402,10 +20505,18 @@
               <a:buNone/>
             </a:pPr>
             <a:r>
-              <a:rPr lang="en-IN" dirty="0" err="1"/>
+              <a:rPr lang="en-IN" sz="2400" dirty="0" err="1">
+                <a:solidFill>
+                  <a:schemeClr val="tx1"/>
+                </a:solidFill>
+              </a:rPr>
               <a:t>StatefulSet</a:t>
             </a:r>
-            <a:endParaRPr lang="en-IN" dirty="0"/>
+            <a:endParaRPr lang="en-IN" sz="2400" dirty="0">
+              <a:solidFill>
+                <a:schemeClr val="tx1"/>
+              </a:solidFill>
+            </a:endParaRPr>
           </a:p>
           <a:p>
             <a:pPr marL="0" indent="0">
@@ -20415,10 +20526,18 @@
               <a:buNone/>
             </a:pPr>
             <a:r>
-              <a:rPr lang="en-IN" dirty="0" err="1" smtClean="0"/>
+              <a:rPr lang="en-IN" sz="2400" dirty="0" err="1">
+                <a:solidFill>
+                  <a:schemeClr val="tx1"/>
+                </a:solidFill>
+              </a:rPr>
               <a:t>CronJob</a:t>
             </a:r>
-            <a:endParaRPr lang="en-IN" dirty="0"/>
+            <a:endParaRPr lang="en-IN" sz="2400" dirty="0">
+              <a:solidFill>
+                <a:schemeClr val="tx1"/>
+              </a:solidFill>
+            </a:endParaRPr>
           </a:p>
         </p:txBody>
       </p:sp>
@@ -20529,112 +20648,176 @@
         </p:nvSpPr>
         <p:spPr/>
         <p:txBody>
-          <a:bodyPr/>
+          <a:bodyPr>
+            <a:normAutofit fontScale="92500" lnSpcReduction="20000"/>
+          </a:bodyPr>
           <a:lstStyle/>
           <a:p>
             <a:pPr marL="0" indent="0">
               <a:lnSpc>
-                <a:spcPct val="100000"/>
+                <a:spcPct val="150000"/>
               </a:lnSpc>
               <a:buNone/>
             </a:pPr>
             <a:r>
-              <a:rPr lang="en-US" dirty="0"/>
+              <a:rPr lang="en-US" sz="2400" dirty="0">
+                <a:solidFill>
+                  <a:schemeClr val="tx1"/>
+                </a:solidFill>
+              </a:rPr>
               <a:t>Container-to-Container</a:t>
             </a:r>
           </a:p>
           <a:p>
-            <a:pPr marL="457200" lvl="1" indent="0">
+            <a:pPr marL="457200" lvl="2" indent="0">
               <a:lnSpc>
-                <a:spcPct val="100000"/>
+                <a:spcPct val="150000"/>
+              </a:lnSpc>
+              <a:spcBef>
+                <a:spcPts val="1000"/>
+              </a:spcBef>
+              <a:buNone/>
+            </a:pPr>
+            <a:r>
+              <a:rPr lang="en-US" dirty="0">
+                <a:solidFill>
+                  <a:schemeClr val="tx1"/>
+                </a:solidFill>
+              </a:rPr>
+              <a:t>Containers within a pod exist within the same</a:t>
+            </a:r>
+          </a:p>
+          <a:p>
+            <a:pPr marL="457200" lvl="2" indent="0">
+              <a:lnSpc>
+                <a:spcPct val="150000"/>
+              </a:lnSpc>
+              <a:spcBef>
+                <a:spcPts val="1000"/>
+              </a:spcBef>
+              <a:buNone/>
+            </a:pPr>
+            <a:r>
+              <a:rPr lang="en-US" dirty="0">
+                <a:solidFill>
+                  <a:schemeClr val="tx1"/>
+                </a:solidFill>
+              </a:rPr>
+              <a:t>network namespace and share an IP.</a:t>
+            </a:r>
+          </a:p>
+          <a:p>
+            <a:pPr marL="457200" lvl="2" indent="0">
+              <a:lnSpc>
+                <a:spcPct val="150000"/>
+              </a:lnSpc>
+              <a:spcBef>
+                <a:spcPts val="1000"/>
+              </a:spcBef>
+              <a:buNone/>
+            </a:pPr>
+            <a:r>
+              <a:rPr lang="en-US" dirty="0">
+                <a:solidFill>
+                  <a:schemeClr val="tx1"/>
+                </a:solidFill>
+              </a:rPr>
+              <a:t>Enables </a:t>
+            </a:r>
+            <a:r>
+              <a:rPr lang="en-US" dirty="0" err="1">
+                <a:solidFill>
+                  <a:schemeClr val="tx1"/>
+                </a:solidFill>
+              </a:rPr>
+              <a:t>intrapod</a:t>
+            </a:r>
+            <a:r>
+              <a:rPr lang="en-US" dirty="0">
+                <a:solidFill>
+                  <a:schemeClr val="tx1"/>
+                </a:solidFill>
+              </a:rPr>
+              <a:t> communication over localhost.</a:t>
+            </a:r>
+          </a:p>
+          <a:p>
+            <a:pPr marL="0" indent="0">
+              <a:lnSpc>
+                <a:spcPct val="150000"/>
               </a:lnSpc>
               <a:buNone/>
             </a:pPr>
             <a:r>
-              <a:rPr lang="en-US" dirty="0"/>
-              <a:t>Containers within a pod exist within the same</a:t>
-            </a:r>
-          </a:p>
-          <a:p>
-            <a:pPr marL="457200" lvl="1" indent="0">
+              <a:rPr lang="en-US" sz="2400" dirty="0">
+                <a:solidFill>
+                  <a:schemeClr val="tx1"/>
+                </a:solidFill>
+              </a:rPr>
+              <a:t>Pod-to-Pod</a:t>
+            </a:r>
+          </a:p>
+          <a:p>
+            <a:pPr marL="457200" lvl="2" indent="0">
               <a:lnSpc>
-                <a:spcPct val="100000"/>
+                <a:spcPct val="150000"/>
               </a:lnSpc>
+              <a:spcBef>
+                <a:spcPts val="1000"/>
+              </a:spcBef>
               <a:buNone/>
             </a:pPr>
             <a:r>
-              <a:rPr lang="en-US" dirty="0"/>
-              <a:t>network namespace and share an IP.</a:t>
-            </a:r>
-          </a:p>
-          <a:p>
-            <a:pPr marL="457200" lvl="1" indent="0">
+              <a:rPr lang="en-US" dirty="0">
+                <a:solidFill>
+                  <a:schemeClr val="tx1"/>
+                </a:solidFill>
+              </a:rPr>
+              <a:t>Allocated cluster unique IP for the duration of its life</a:t>
+            </a:r>
+          </a:p>
+          <a:p>
+            <a:pPr marL="457200" lvl="2" indent="0">
               <a:lnSpc>
-                <a:spcPct val="100000"/>
+                <a:spcPct val="150000"/>
               </a:lnSpc>
+              <a:spcBef>
+                <a:spcPts val="1000"/>
+              </a:spcBef>
               <a:buNone/>
             </a:pPr>
             <a:r>
-              <a:rPr lang="en-US" dirty="0"/>
-              <a:t>Enables </a:t>
-            </a:r>
-            <a:r>
-              <a:rPr lang="en-US" dirty="0" err="1"/>
-              <a:t>intrapod</a:t>
-            </a:r>
-            <a:r>
-              <a:rPr lang="en-US" dirty="0"/>
-              <a:t> communication over localhost.</a:t>
-            </a:r>
-          </a:p>
-          <a:p>
-            <a:pPr marL="0" indent="0">
+              <a:rPr lang="en-US" dirty="0">
+                <a:solidFill>
+                  <a:schemeClr val="tx1"/>
+                </a:solidFill>
+              </a:rPr>
+              <a:t>cycle.</a:t>
+            </a:r>
+          </a:p>
+          <a:p>
+            <a:pPr marL="457200" lvl="2" indent="0">
               <a:lnSpc>
-                <a:spcPct val="100000"/>
+                <a:spcPct val="150000"/>
               </a:lnSpc>
+              <a:spcBef>
+                <a:spcPts val="1000"/>
+              </a:spcBef>
               <a:buNone/>
             </a:pPr>
             <a:r>
-              <a:rPr lang="en-US" dirty="0"/>
-              <a:t>Pod-to-Pod</a:t>
-            </a:r>
-          </a:p>
-          <a:p>
-            <a:pPr marL="457200" lvl="1" indent="0">
-              <a:lnSpc>
-                <a:spcPct val="100000"/>
-              </a:lnSpc>
-              <a:buNone/>
-            </a:pPr>
-            <a:r>
-              <a:rPr lang="en-US" dirty="0"/>
-              <a:t>Allocated cluster unique IP for the duration of its life</a:t>
-            </a:r>
-          </a:p>
-          <a:p>
-            <a:pPr marL="457200" lvl="1" indent="0">
-              <a:lnSpc>
-                <a:spcPct val="100000"/>
-              </a:lnSpc>
-              <a:buNone/>
-            </a:pPr>
-            <a:r>
-              <a:rPr lang="en-US" dirty="0"/>
-              <a:t>cycle.</a:t>
-            </a:r>
-          </a:p>
-          <a:p>
-            <a:pPr marL="457200" lvl="1" indent="0">
-              <a:lnSpc>
-                <a:spcPct val="100000"/>
-              </a:lnSpc>
-              <a:buNone/>
-            </a:pPr>
-            <a:r>
-              <a:rPr lang="en-US" dirty="0"/>
+              <a:rPr lang="en-US" dirty="0">
+                <a:solidFill>
+                  <a:schemeClr val="tx1"/>
+                </a:solidFill>
+              </a:rPr>
               <a:t>Pods themselves are fundamentally ephemeral.</a:t>
             </a:r>
-            <a:endParaRPr lang="en-IN" dirty="0"/>
+            <a:endParaRPr lang="en-IN" dirty="0">
+              <a:solidFill>
+                <a:schemeClr val="tx1"/>
+              </a:solidFill>
+            </a:endParaRPr>
           </a:p>
         </p:txBody>
       </p:sp>
@@ -20721,85 +20904,176 @@
         </p:nvSpPr>
         <p:spPr/>
         <p:txBody>
-          <a:bodyPr/>
+          <a:bodyPr>
+            <a:normAutofit/>
+          </a:bodyPr>
           <a:lstStyle/>
           <a:p>
             <a:pPr marL="0" indent="0">
+              <a:lnSpc>
+                <a:spcPct val="150000"/>
+              </a:lnSpc>
               <a:buNone/>
             </a:pPr>
             <a:r>
-              <a:rPr lang="en-IN" dirty="0"/>
+              <a:rPr lang="en-IN" sz="2400" dirty="0">
+                <a:solidFill>
+                  <a:schemeClr val="tx1"/>
+                </a:solidFill>
+              </a:rPr>
               <a:t>Pod-to-Service</a:t>
             </a:r>
           </a:p>
           <a:p>
-            <a:pPr marL="0" indent="0">
+            <a:pPr marL="457200" lvl="1" indent="0">
+              <a:lnSpc>
+                <a:spcPct val="150000"/>
+              </a:lnSpc>
               <a:buNone/>
             </a:pPr>
             <a:r>
-              <a:rPr lang="en-IN" dirty="0"/>
-              <a:t> 	managed by </a:t>
-            </a:r>
-            <a:r>
-              <a:rPr lang="en-IN" dirty="0" err="1"/>
+              <a:rPr lang="en-IN" dirty="0" smtClean="0">
+                <a:solidFill>
+                  <a:schemeClr val="tx1"/>
+                </a:solidFill>
+              </a:rPr>
+              <a:t>Managed </a:t>
+            </a:r>
+            <a:r>
+              <a:rPr lang="en-IN" dirty="0">
+                <a:solidFill>
+                  <a:schemeClr val="tx1"/>
+                </a:solidFill>
+              </a:rPr>
+              <a:t>by </a:t>
+            </a:r>
+            <a:r>
+              <a:rPr lang="en-IN" dirty="0" err="1">
+                <a:solidFill>
+                  <a:schemeClr val="tx1"/>
+                </a:solidFill>
+              </a:rPr>
               <a:t>kube</a:t>
             </a:r>
             <a:r>
-              <a:rPr lang="en-IN" dirty="0"/>
+              <a:rPr lang="en-IN" dirty="0">
+                <a:solidFill>
+                  <a:schemeClr val="tx1"/>
+                </a:solidFill>
+              </a:rPr>
               <a:t>-proxy and given a persistent</a:t>
             </a:r>
           </a:p>
           <a:p>
-            <a:pPr marL="0" indent="0">
+            <a:pPr marL="457200" lvl="1" indent="0">
+              <a:lnSpc>
+                <a:spcPct val="150000"/>
+              </a:lnSpc>
               <a:buNone/>
             </a:pPr>
             <a:r>
-              <a:rPr lang="en-IN" dirty="0"/>
-              <a:t>	cluster unique IP exists beyond a Pod’s lifecycle.</a:t>
+              <a:rPr lang="en-IN" dirty="0">
+                <a:solidFill>
+                  <a:schemeClr val="tx1"/>
+                </a:solidFill>
+              </a:rPr>
+              <a:t>cluster unique IP exists beyond a Pod’s lifecycle.</a:t>
             </a:r>
           </a:p>
           <a:p>
             <a:pPr marL="0" indent="0">
+              <a:lnSpc>
+                <a:spcPct val="150000"/>
+              </a:lnSpc>
               <a:buNone/>
             </a:pPr>
             <a:r>
-              <a:rPr lang="en-IN" dirty="0"/>
+              <a:rPr lang="en-IN" sz="2400" dirty="0" smtClean="0">
+                <a:solidFill>
+                  <a:schemeClr val="tx1"/>
+                </a:solidFill>
+              </a:rPr>
               <a:t>External-to-Service</a:t>
             </a:r>
           </a:p>
           <a:p>
             <a:pPr marL="457200" lvl="1" indent="0">
+              <a:lnSpc>
+                <a:spcPct val="150000"/>
+              </a:lnSpc>
               <a:buNone/>
             </a:pPr>
             <a:r>
-              <a:rPr lang="en-IN" dirty="0"/>
-              <a:t>Handled by </a:t>
-            </a:r>
-            <a:r>
-              <a:rPr lang="en-IN" dirty="0" err="1"/>
+              <a:rPr lang="en-IN" dirty="0" smtClean="0">
+                <a:solidFill>
+                  <a:schemeClr val="tx1"/>
+                </a:solidFill>
+              </a:rPr>
+              <a:t>Handled </a:t>
+            </a:r>
+            <a:r>
+              <a:rPr lang="en-IN" dirty="0">
+                <a:solidFill>
+                  <a:schemeClr val="tx1"/>
+                </a:solidFill>
+              </a:rPr>
+              <a:t>by </a:t>
+            </a:r>
+            <a:r>
+              <a:rPr lang="en-IN" dirty="0" err="1" smtClean="0">
+                <a:solidFill>
+                  <a:schemeClr val="tx1"/>
+                </a:solidFill>
+              </a:rPr>
               <a:t>kube</a:t>
             </a:r>
             <a:r>
-              <a:rPr lang="en-IN" dirty="0"/>
+              <a:rPr lang="en-IN" dirty="0" smtClean="0">
+                <a:solidFill>
+                  <a:schemeClr val="tx1"/>
+                </a:solidFill>
+              </a:rPr>
               <a:t>-proxy.</a:t>
             </a:r>
           </a:p>
           <a:p>
             <a:pPr marL="457200" lvl="1" indent="0">
+              <a:lnSpc>
+                <a:spcPct val="150000"/>
+              </a:lnSpc>
               <a:buNone/>
             </a:pPr>
             <a:r>
-              <a:rPr lang="en-IN" dirty="0"/>
-              <a:t>Works in cooperation with a cloud provider or other</a:t>
-            </a:r>
-          </a:p>
-          <a:p>
-            <a:pPr marL="457200" lvl="1" indent="0">
-              <a:buNone/>
-            </a:pPr>
-            <a:r>
-              <a:rPr lang="en-IN" dirty="0"/>
-              <a:t>external entity (load balancer). </a:t>
+              <a:rPr lang="en-IN" dirty="0" smtClean="0">
+                <a:solidFill>
+                  <a:schemeClr val="tx1"/>
+                </a:solidFill>
+              </a:rPr>
+              <a:t>Works </a:t>
+            </a:r>
+            <a:r>
+              <a:rPr lang="en-IN" dirty="0">
+                <a:solidFill>
+                  <a:schemeClr val="tx1"/>
+                </a:solidFill>
+              </a:rPr>
+              <a:t>in cooperation with a cloud provider or </a:t>
+            </a:r>
+            <a:r>
+              <a:rPr lang="en-IN" dirty="0" smtClean="0">
+                <a:solidFill>
+                  <a:schemeClr val="tx1"/>
+                </a:solidFill>
+              </a:rPr>
+              <a:t>other external </a:t>
+            </a:r>
+            <a:r>
+              <a:rPr lang="en-IN" dirty="0">
+                <a:solidFill>
+                  <a:schemeClr val="tx1"/>
+                </a:solidFill>
+              </a:rPr>
+              <a:t>entity (load balancer). </a:t>
             </a:r>
           </a:p>
         </p:txBody>
@@ -20887,69 +21161,75 @@
         </p:nvSpPr>
         <p:spPr/>
         <p:txBody>
-          <a:bodyPr/>
+          <a:bodyPr>
+            <a:normAutofit/>
+          </a:bodyPr>
           <a:lstStyle/>
           <a:p>
             <a:pPr marL="0" indent="0">
+              <a:lnSpc>
+                <a:spcPct val="150000"/>
+              </a:lnSpc>
               <a:buNone/>
             </a:pPr>
             <a:r>
-              <a:rPr lang="en-US" dirty="0"/>
-              <a:t>An API object that </a:t>
-            </a:r>
-            <a:r>
-              <a:rPr lang="en-US" dirty="0" smtClean="0"/>
-              <a:t>manages external </a:t>
-            </a:r>
-            <a:r>
-              <a:rPr lang="en-US" dirty="0"/>
-              <a:t>access to the services</a:t>
+              <a:rPr lang="en-US" sz="2400" dirty="0">
+                <a:solidFill>
+                  <a:schemeClr val="tx1"/>
+                </a:solidFill>
+              </a:rPr>
+              <a:t>An API object that manages external access to the services</a:t>
             </a:r>
           </a:p>
           <a:p>
             <a:pPr marL="0" indent="0">
+              <a:lnSpc>
+                <a:spcPct val="150000"/>
+              </a:lnSpc>
               <a:buNone/>
             </a:pPr>
             <a:r>
-              <a:rPr lang="en-US" dirty="0"/>
-              <a:t>in a </a:t>
-            </a:r>
-            <a:r>
-              <a:rPr lang="en-US" dirty="0" smtClean="0"/>
-              <a:t>cluster Provides </a:t>
-            </a:r>
-            <a:r>
-              <a:rPr lang="en-US" dirty="0"/>
-              <a:t>load balancing, </a:t>
-            </a:r>
-            <a:r>
-              <a:rPr lang="en-US" dirty="0" smtClean="0"/>
-              <a:t>SSL termination </a:t>
-            </a:r>
-            <a:r>
-              <a:rPr lang="en-US" dirty="0"/>
-              <a:t>and name/path based virtual </a:t>
-            </a:r>
-            <a:r>
-              <a:rPr lang="en-US" dirty="0" smtClean="0"/>
-              <a:t>hosting.</a:t>
+              <a:rPr lang="en-US" sz="2400" dirty="0">
+                <a:solidFill>
+                  <a:schemeClr val="tx1"/>
+                </a:solidFill>
+              </a:rPr>
+              <a:t>in a cluster Provides load balancing, SSL termination and name/path based virtual hosting.</a:t>
             </a:r>
           </a:p>
           <a:p>
             <a:pPr marL="0" indent="0">
+              <a:lnSpc>
+                <a:spcPct val="150000"/>
+              </a:lnSpc>
               <a:buNone/>
             </a:pPr>
-            <a:endParaRPr lang="en-US" dirty="0"/>
+            <a:endParaRPr lang="en-US" sz="2400" dirty="0">
+              <a:solidFill>
+                <a:schemeClr val="tx1"/>
+              </a:solidFill>
+            </a:endParaRPr>
           </a:p>
           <a:p>
             <a:pPr marL="0" indent="0">
+              <a:lnSpc>
+                <a:spcPct val="150000"/>
+              </a:lnSpc>
               <a:buNone/>
             </a:pPr>
             <a:r>
-              <a:rPr lang="en-US" dirty="0"/>
+              <a:rPr lang="en-US" sz="2400" dirty="0">
+                <a:solidFill>
+                  <a:schemeClr val="tx1"/>
+                </a:solidFill>
+              </a:rPr>
               <a:t>Gives services externally reachable URLs</a:t>
             </a:r>
-            <a:endParaRPr lang="en-IN" dirty="0"/>
+            <a:endParaRPr lang="en-IN" sz="2400" dirty="0">
+              <a:solidFill>
+                <a:schemeClr val="tx1"/>
+              </a:solidFill>
+            </a:endParaRPr>
           </a:p>
         </p:txBody>
       </p:sp>
@@ -21082,31 +21362,49 @@
               <a:buNone/>
             </a:pPr>
             <a:r>
-              <a:rPr lang="en-IN" dirty="0"/>
+              <a:rPr lang="en-IN" sz="2400" dirty="0">
+                <a:solidFill>
+                  <a:schemeClr val="tx1"/>
+                </a:solidFill>
+              </a:rPr>
               <a:t>Role Based Access Control</a:t>
             </a:r>
           </a:p>
           <a:p>
-            <a:pPr marL="457200" lvl="1" indent="0">
+            <a:pPr marL="457200" lvl="2" indent="0">
               <a:lnSpc>
                 <a:spcPct val="150000"/>
               </a:lnSpc>
+              <a:spcBef>
+                <a:spcPts val="1000"/>
+              </a:spcBef>
               <a:buNone/>
             </a:pPr>
             <a:r>
-              <a:rPr lang="en-IN" dirty="0"/>
+              <a:rPr lang="en-IN" dirty="0">
+                <a:solidFill>
+                  <a:schemeClr val="tx1"/>
+                </a:solidFill>
+              </a:rPr>
               <a:t>Authentication</a:t>
             </a:r>
           </a:p>
           <a:p>
-            <a:pPr marL="457200" lvl="1" indent="0">
+            <a:pPr marL="457200" lvl="2" indent="0">
               <a:lnSpc>
                 <a:spcPct val="150000"/>
               </a:lnSpc>
+              <a:spcBef>
+                <a:spcPts val="1000"/>
+              </a:spcBef>
               <a:buNone/>
             </a:pPr>
             <a:r>
-              <a:rPr lang="en-IN" dirty="0"/>
+              <a:rPr lang="en-IN" dirty="0">
+                <a:solidFill>
+                  <a:schemeClr val="tx1"/>
+                </a:solidFill>
+              </a:rPr>
               <a:t>Authorization</a:t>
             </a:r>
           </a:p>
@@ -21118,7 +21416,11 @@
               <a:buNone/>
             </a:pPr>
             <a:r>
-              <a:rPr lang="en-IN" dirty="0"/>
+              <a:rPr lang="en-IN" sz="2400" dirty="0">
+                <a:solidFill>
+                  <a:schemeClr val="tx1"/>
+                </a:solidFill>
+              </a:rPr>
               <a:t>Secrets</a:t>
             </a:r>
           </a:p>
@@ -21130,7 +21432,11 @@
               <a:buNone/>
             </a:pPr>
             <a:r>
-              <a:rPr lang="en-IN" dirty="0"/>
+              <a:rPr lang="en-IN" sz="2400" dirty="0">
+                <a:solidFill>
+                  <a:schemeClr val="tx1"/>
+                </a:solidFill>
+              </a:rPr>
               <a:t>Admission Control </a:t>
             </a:r>
           </a:p>
@@ -21142,7 +21448,11 @@
               <a:buNone/>
             </a:pPr>
             <a:r>
-              <a:rPr lang="en-IN" dirty="0"/>
+              <a:rPr lang="en-IN" sz="2400" dirty="0">
+                <a:solidFill>
+                  <a:schemeClr val="tx1"/>
+                </a:solidFill>
+              </a:rPr>
               <a:t>Certificates </a:t>
             </a:r>
           </a:p>
@@ -21270,14 +21580,20 @@
         </p:nvSpPr>
         <p:spPr/>
         <p:txBody>
-          <a:bodyPr/>
+          <a:bodyPr>
+            <a:normAutofit/>
+          </a:bodyPr>
           <a:lstStyle/>
           <a:p>
             <a:pPr marL="0" indent="0">
               <a:buNone/>
             </a:pPr>
             <a:r>
-              <a:rPr lang="en-US" dirty="0"/>
+              <a:rPr lang="en-US" sz="2400" dirty="0">
+                <a:solidFill>
+                  <a:schemeClr val="tx1"/>
+                </a:solidFill>
+              </a:rPr>
               <a:t>All containers within a pod can communicate with each</a:t>
             </a:r>
           </a:p>
@@ -21286,7 +21602,11 @@
               <a:buNone/>
             </a:pPr>
             <a:r>
-              <a:rPr lang="en-US" dirty="0"/>
+              <a:rPr lang="en-US" sz="2400" dirty="0">
+                <a:solidFill>
+                  <a:schemeClr val="tx1"/>
+                </a:solidFill>
+              </a:rPr>
               <a:t>other unimpeded.</a:t>
             </a:r>
           </a:p>
@@ -21295,7 +21615,11 @@
               <a:buNone/>
             </a:pPr>
             <a:r>
-              <a:rPr lang="en-US" dirty="0"/>
+              <a:rPr lang="en-US" sz="2400" dirty="0">
+                <a:solidFill>
+                  <a:schemeClr val="tx1"/>
+                </a:solidFill>
+              </a:rPr>
               <a:t>All Pods can communicate with all other Pods without</a:t>
             </a:r>
           </a:p>
@@ -21304,7 +21628,11 @@
               <a:buNone/>
             </a:pPr>
             <a:r>
-              <a:rPr lang="en-US" dirty="0"/>
+              <a:rPr lang="en-US" sz="2400" dirty="0">
+                <a:solidFill>
+                  <a:schemeClr val="tx1"/>
+                </a:solidFill>
+              </a:rPr>
               <a:t>NAT.</a:t>
             </a:r>
           </a:p>
@@ -21313,15 +21641,27 @@
               <a:buNone/>
             </a:pPr>
             <a:r>
-              <a:rPr lang="en-US" dirty="0"/>
+              <a:rPr lang="en-US" sz="2400" dirty="0">
+                <a:solidFill>
+                  <a:schemeClr val="tx1"/>
+                </a:solidFill>
+              </a:rPr>
               <a:t>All nodes can communicate with all Pods (and </a:t>
             </a:r>
             <a:r>
-              <a:rPr lang="en-US" dirty="0" err="1"/>
+              <a:rPr lang="en-US" sz="2400" dirty="0" err="1">
+                <a:solidFill>
+                  <a:schemeClr val="tx1"/>
+                </a:solidFill>
+              </a:rPr>
               <a:t>viceversa</a:t>
             </a:r>
             <a:r>
-              <a:rPr lang="en-US" dirty="0"/>
+              <a:rPr lang="en-US" sz="2400" dirty="0">
+                <a:solidFill>
+                  <a:schemeClr val="tx1"/>
+                </a:solidFill>
+              </a:rPr>
               <a:t>) without NAT.</a:t>
             </a:r>
           </a:p>
@@ -21330,7 +21670,11 @@
               <a:buNone/>
             </a:pPr>
             <a:r>
-              <a:rPr lang="en-US" dirty="0"/>
+              <a:rPr lang="en-US" sz="2400" dirty="0">
+                <a:solidFill>
+                  <a:schemeClr val="tx1"/>
+                </a:solidFill>
+              </a:rPr>
               <a:t>The IP that a Pod sees itself as is the same IP that</a:t>
             </a:r>
           </a:p>
@@ -21339,10 +21683,18 @@
               <a:buNone/>
             </a:pPr>
             <a:r>
-              <a:rPr lang="en-US" dirty="0"/>
+              <a:rPr lang="en-US" sz="2400" dirty="0">
+                <a:solidFill>
+                  <a:schemeClr val="tx1"/>
+                </a:solidFill>
+              </a:rPr>
               <a:t>others see it as.</a:t>
             </a:r>
-            <a:endParaRPr lang="en-IN" dirty="0"/>
+            <a:endParaRPr lang="en-IN" sz="2400" dirty="0">
+              <a:solidFill>
+                <a:schemeClr val="tx1"/>
+              </a:solidFill>
+            </a:endParaRPr>
           </a:p>
         </p:txBody>
       </p:sp>
@@ -21466,62 +21818,111 @@
         </p:nvSpPr>
         <p:spPr/>
         <p:txBody>
-          <a:bodyPr/>
+          <a:bodyPr>
+            <a:normAutofit/>
+          </a:bodyPr>
           <a:lstStyle/>
           <a:p>
             <a:pPr marL="0" indent="0">
+              <a:lnSpc>
+                <a:spcPct val="150000"/>
+              </a:lnSpc>
               <a:buNone/>
             </a:pPr>
             <a:r>
-              <a:rPr lang="en-IN" dirty="0"/>
+              <a:rPr lang="en-IN" sz="2400" dirty="0">
+                <a:solidFill>
+                  <a:schemeClr val="tx1"/>
+                </a:solidFill>
+              </a:rPr>
               <a:t>Metrics server</a:t>
             </a:r>
           </a:p>
           <a:p>
             <a:pPr marL="0" indent="0">
+              <a:lnSpc>
+                <a:spcPct val="150000"/>
+              </a:lnSpc>
               <a:buNone/>
             </a:pPr>
             <a:r>
-              <a:rPr lang="en-IN" dirty="0"/>
+              <a:rPr lang="en-IN" sz="2400" dirty="0">
+                <a:solidFill>
+                  <a:schemeClr val="tx1"/>
+                </a:solidFill>
+              </a:rPr>
               <a:t>HPA (horizontal pod </a:t>
             </a:r>
             <a:r>
-              <a:rPr lang="en-IN" dirty="0" err="1"/>
+              <a:rPr lang="en-IN" sz="2400" dirty="0" err="1">
+                <a:solidFill>
+                  <a:schemeClr val="tx1"/>
+                </a:solidFill>
+              </a:rPr>
               <a:t>autoscaler</a:t>
             </a:r>
             <a:r>
-              <a:rPr lang="en-IN" dirty="0"/>
+              <a:rPr lang="en-IN" sz="2400" dirty="0">
+                <a:solidFill>
+                  <a:schemeClr val="tx1"/>
+                </a:solidFill>
+              </a:rPr>
               <a:t>)</a:t>
             </a:r>
           </a:p>
           <a:p>
             <a:pPr marL="0" indent="0">
+              <a:lnSpc>
+                <a:spcPct val="150000"/>
+              </a:lnSpc>
               <a:buNone/>
             </a:pPr>
             <a:r>
-              <a:rPr lang="en-IN" dirty="0"/>
+              <a:rPr lang="en-IN" sz="2400" dirty="0">
+                <a:solidFill>
+                  <a:schemeClr val="tx1"/>
+                </a:solidFill>
+              </a:rPr>
               <a:t>Prometheus</a:t>
             </a:r>
           </a:p>
           <a:p>
             <a:pPr marL="0" indent="0">
+              <a:lnSpc>
+                <a:spcPct val="150000"/>
+              </a:lnSpc>
               <a:buNone/>
             </a:pPr>
             <a:r>
-              <a:rPr lang="en-IN" dirty="0"/>
+              <a:rPr lang="en-IN" sz="2400" dirty="0">
+                <a:solidFill>
+                  <a:schemeClr val="tx1"/>
+                </a:solidFill>
+              </a:rPr>
               <a:t>Grafana (dashboards)</a:t>
             </a:r>
           </a:p>
           <a:p>
             <a:pPr marL="0" indent="0">
+              <a:lnSpc>
+                <a:spcPct val="150000"/>
+              </a:lnSpc>
               <a:buNone/>
             </a:pPr>
             <a:r>
-              <a:rPr lang="en-IN" dirty="0" err="1"/>
+              <a:rPr lang="en-IN" sz="2400" dirty="0" err="1">
+                <a:solidFill>
+                  <a:schemeClr val="tx1"/>
+                </a:solidFill>
+              </a:rPr>
               <a:t>Fluentd</a:t>
             </a:r>
             <a:r>
-              <a:rPr lang="en-IN" dirty="0"/>
+              <a:rPr lang="en-IN" sz="2400" dirty="0">
+                <a:solidFill>
+                  <a:schemeClr val="tx1"/>
+                </a:solidFill>
+              </a:rPr>
               <a:t> (log shipping)</a:t>
             </a:r>
           </a:p>
@@ -21644,7 +22045,7 @@
         <p:spPr/>
         <p:txBody>
           <a:bodyPr>
-            <a:normAutofit fontScale="70000" lnSpcReduction="20000"/>
+            <a:normAutofit/>
           </a:bodyPr>
           <a:lstStyle/>
           <a:p>
@@ -21662,7 +22063,7 @@
           <a:p>
             <a:pPr marL="0" indent="0" algn="ctr">
               <a:lnSpc>
-                <a:spcPct val="300000"/>
+                <a:spcPct val="120000"/>
               </a:lnSpc>
               <a:buNone/>
             </a:pPr>
@@ -21676,14 +22077,14 @@
               <a:rPr lang="en-IN" sz="4400" dirty="0" smtClean="0">
                 <a:hlinkClick r:id="rId2"/>
               </a:rPr>
-              <a:t>www.katacoda.com/courses/kubernetes/guestbook</a:t>
+              <a:t>katacoda.com/rahulrai/courses/fast-track-istio/2-first-service</a:t>
             </a:r>
             <a:endParaRPr lang="en-IN" sz="4400" dirty="0" smtClean="0"/>
           </a:p>
           <a:p>
             <a:pPr marL="0" indent="0" algn="ctr">
               <a:lnSpc>
-                <a:spcPct val="300000"/>
+                <a:spcPct val="120000"/>
               </a:lnSpc>
               <a:buNone/>
             </a:pPr>
@@ -21932,528 +22333,6 @@
           <a:chExt cx="0" cy="0"/>
         </a:xfrm>
       </p:grpSpPr>
-      <p:sp useBgFill="1">
-        <p:nvSpPr>
-          <p:cNvPr id="24" name="Rectangle 22">
-            <a:extLst>
-              <a:ext uri="{FF2B5EF4-FFF2-40B4-BE49-F238E27FC236}">
-                <a16:creationId xmlns:a16="http://schemas.microsoft.com/office/drawing/2014/main" id="{D4993743-B10A-433C-9996-3035D2C3ABC6}"/>
-              </a:ext>
-              <a:ext uri="{C183D7F6-B498-43B3-948B-1728B52AA6E4}">
-                <adec:decorative xmlns:adec="http://schemas.microsoft.com/office/drawing/2017/decorative" xmlns="" val="1"/>
-              </a:ext>
-            </a:extLst>
-          </p:cNvPr>
-          <p:cNvSpPr>
-            <a:spLocks noGrp="1" noRot="1" noChangeAspect="1" noMove="1" noResize="1" noEditPoints="1" noAdjustHandles="1" noChangeArrowheads="1" noChangeShapeType="1" noTextEdit="1"/>
-          </p:cNvSpPr>
-          <p:nvPr>
-            <p:extLst>
-              <p:ext uri="{386F3935-93C4-4BCD-93E2-E3B085C9AB24}">
-                <p16:designElem xmlns:p16="http://schemas.microsoft.com/office/powerpoint/2015/main" val="1"/>
-              </p:ext>
-            </p:extLst>
-          </p:nvPr>
-        </p:nvSpPr>
-        <p:spPr>
-          <a:xfrm>
-            <a:off x="1524" y="0"/>
-            <a:ext cx="12188952" cy="6858000"/>
-          </a:xfrm>
-          <a:prstGeom prst="rect">
-            <a:avLst/>
-          </a:prstGeom>
-          <a:ln>
-            <a:noFill/>
-          </a:ln>
-        </p:spPr>
-        <p:style>
-          <a:lnRef idx="2">
-            <a:schemeClr val="accent1">
-              <a:shade val="50000"/>
-            </a:schemeClr>
-          </a:lnRef>
-          <a:fillRef idx="1">
-            <a:schemeClr val="accent1"/>
-          </a:fillRef>
-          <a:effectRef idx="0">
-            <a:schemeClr val="accent1"/>
-          </a:effectRef>
-          <a:fontRef idx="minor">
-            <a:schemeClr val="lt1"/>
-          </a:fontRef>
-        </p:style>
-        <p:txBody>
-          <a:bodyPr rtlCol="0" anchor="ctr"/>
-          <a:lstStyle/>
-          <a:p>
-            <a:pPr algn="ctr"/>
-            <a:endParaRPr lang="en-US"/>
-          </a:p>
-        </p:txBody>
-      </p:sp>
-      <p:sp>
-        <p:nvSpPr>
-          <p:cNvPr id="26" name="Freeform 45">
-            <a:extLst>
-              <a:ext uri="{FF2B5EF4-FFF2-40B4-BE49-F238E27FC236}">
-                <a16:creationId xmlns:a16="http://schemas.microsoft.com/office/drawing/2014/main" id="{BB3B8946-A0AA-42D4-8A24-639DC6EA170E}"/>
-              </a:ext>
-              <a:ext uri="{C183D7F6-B498-43B3-948B-1728B52AA6E4}">
-                <adec:decorative xmlns:adec="http://schemas.microsoft.com/office/drawing/2017/decorative" xmlns="" val="1"/>
-              </a:ext>
-            </a:extLst>
-          </p:cNvPr>
-          <p:cNvSpPr>
-            <a:spLocks noGrp="1" noRot="1" noChangeAspect="1" noMove="1" noResize="1" noEditPoints="1" noAdjustHandles="1" noChangeArrowheads="1" noChangeShapeType="1" noTextEdit="1"/>
-          </p:cNvSpPr>
-          <p:nvPr>
-            <p:extLst>
-              <p:ext uri="{386F3935-93C4-4BCD-93E2-E3B085C9AB24}">
-                <p16:designElem xmlns:p16="http://schemas.microsoft.com/office/powerpoint/2015/main" val="1"/>
-              </p:ext>
-            </p:extLst>
-          </p:nvPr>
-        </p:nvSpPr>
-        <p:spPr bwMode="auto">
-          <a:xfrm>
-            <a:off x="409710" y="1022350"/>
-            <a:ext cx="709612" cy="2095501"/>
-          </a:xfrm>
-          <a:custGeom>
-            <a:avLst/>
-            <a:gdLst>
-              <a:gd name="T0" fmla="*/ 447 w 447"/>
-              <a:gd name="T1" fmla="*/ 1363 h 1363"/>
-              <a:gd name="T2" fmla="*/ 0 w 447"/>
-              <a:gd name="T3" fmla="*/ 987 h 1363"/>
-              <a:gd name="T4" fmla="*/ 0 w 447"/>
-              <a:gd name="T5" fmla="*/ 0 h 1363"/>
-              <a:gd name="T6" fmla="*/ 447 w 447"/>
-              <a:gd name="T7" fmla="*/ 376 h 1363"/>
-              <a:gd name="T8" fmla="*/ 447 w 447"/>
-              <a:gd name="T9" fmla="*/ 1363 h 1363"/>
-            </a:gdLst>
-            <a:ahLst/>
-            <a:cxnLst>
-              <a:cxn ang="0">
-                <a:pos x="T0" y="T1"/>
-              </a:cxn>
-              <a:cxn ang="0">
-                <a:pos x="T2" y="T3"/>
-              </a:cxn>
-              <a:cxn ang="0">
-                <a:pos x="T4" y="T5"/>
-              </a:cxn>
-              <a:cxn ang="0">
-                <a:pos x="T6" y="T7"/>
-              </a:cxn>
-              <a:cxn ang="0">
-                <a:pos x="T8" y="T9"/>
-              </a:cxn>
-            </a:cxnLst>
-            <a:rect l="0" t="0" r="r" b="b"/>
-            <a:pathLst>
-              <a:path w="447" h="1363">
-                <a:moveTo>
-                  <a:pt x="447" y="1363"/>
-                </a:moveTo>
-                <a:lnTo>
-                  <a:pt x="0" y="987"/>
-                </a:lnTo>
-                <a:lnTo>
-                  <a:pt x="0" y="0"/>
-                </a:lnTo>
-                <a:lnTo>
-                  <a:pt x="447" y="376"/>
-                </a:lnTo>
-                <a:lnTo>
-                  <a:pt x="447" y="1363"/>
-                </a:lnTo>
-                <a:close/>
-              </a:path>
-            </a:pathLst>
-          </a:custGeom>
-          <a:solidFill>
-            <a:schemeClr val="accent1">
-              <a:lumMod val="50000"/>
-            </a:schemeClr>
-          </a:solidFill>
-          <a:ln>
-            <a:noFill/>
-          </a:ln>
-        </p:spPr>
-        <p:txBody>
-          <a:bodyPr vert="horz" wrap="square" lIns="91440" tIns="45720" rIns="91440" bIns="45720" numCol="1" anchor="t" anchorCtr="0" compatLnSpc="1">
-            <a:prstTxWarp prst="textNoShape">
-              <a:avLst/>
-            </a:prstTxWarp>
-          </a:bodyPr>
-          <a:lstStyle/>
-          <a:p>
-            <a:endParaRPr lang="en-US"/>
-          </a:p>
-        </p:txBody>
-      </p:sp>
-      <p:sp>
-        <p:nvSpPr>
-          <p:cNvPr id="28" name="Freeform 46">
-            <a:extLst>
-              <a:ext uri="{FF2B5EF4-FFF2-40B4-BE49-F238E27FC236}">
-                <a16:creationId xmlns:a16="http://schemas.microsoft.com/office/drawing/2014/main" id="{AB1038E6-06EF-4DCB-B52E-D3825C50F7C6}"/>
-              </a:ext>
-              <a:ext uri="{C183D7F6-B498-43B3-948B-1728B52AA6E4}">
-                <adec:decorative xmlns:adec="http://schemas.microsoft.com/office/drawing/2017/decorative" xmlns="" val="1"/>
-              </a:ext>
-            </a:extLst>
-          </p:cNvPr>
-          <p:cNvSpPr>
-            <a:spLocks noGrp="1" noRot="1" noChangeAspect="1" noMove="1" noResize="1" noEditPoints="1" noAdjustHandles="1" noChangeArrowheads="1" noChangeShapeType="1" noTextEdit="1"/>
-          </p:cNvSpPr>
-          <p:nvPr>
-            <p:extLst>
-              <p:ext uri="{386F3935-93C4-4BCD-93E2-E3B085C9AB24}">
-                <p16:designElem xmlns:p16="http://schemas.microsoft.com/office/powerpoint/2015/main" val="1"/>
-              </p:ext>
-            </p:extLst>
-          </p:nvPr>
-        </p:nvSpPr>
-        <p:spPr bwMode="auto">
-          <a:xfrm>
-            <a:off x="409710" y="837744"/>
-            <a:ext cx="403225" cy="1705431"/>
-          </a:xfrm>
-          <a:custGeom>
-            <a:avLst/>
-            <a:gdLst>
-              <a:gd name="T0" fmla="*/ 254 w 254"/>
-              <a:gd name="T1" fmla="*/ 987 h 1109"/>
-              <a:gd name="T2" fmla="*/ 0 w 254"/>
-              <a:gd name="T3" fmla="*/ 1109 h 1109"/>
-              <a:gd name="T4" fmla="*/ 0 w 254"/>
-              <a:gd name="T5" fmla="*/ 119 h 1109"/>
-              <a:gd name="T6" fmla="*/ 254 w 254"/>
-              <a:gd name="T7" fmla="*/ 0 h 1109"/>
-              <a:gd name="T8" fmla="*/ 254 w 254"/>
-              <a:gd name="T9" fmla="*/ 987 h 1109"/>
-            </a:gdLst>
-            <a:ahLst/>
-            <a:cxnLst>
-              <a:cxn ang="0">
-                <a:pos x="T0" y="T1"/>
-              </a:cxn>
-              <a:cxn ang="0">
-                <a:pos x="T2" y="T3"/>
-              </a:cxn>
-              <a:cxn ang="0">
-                <a:pos x="T4" y="T5"/>
-              </a:cxn>
-              <a:cxn ang="0">
-                <a:pos x="T6" y="T7"/>
-              </a:cxn>
-              <a:cxn ang="0">
-                <a:pos x="T8" y="T9"/>
-              </a:cxn>
-            </a:cxnLst>
-            <a:rect l="0" t="0" r="r" b="b"/>
-            <a:pathLst>
-              <a:path w="254" h="1109">
-                <a:moveTo>
-                  <a:pt x="254" y="987"/>
-                </a:moveTo>
-                <a:lnTo>
-                  <a:pt x="0" y="1109"/>
-                </a:lnTo>
-                <a:lnTo>
-                  <a:pt x="0" y="119"/>
-                </a:lnTo>
-                <a:lnTo>
-                  <a:pt x="254" y="0"/>
-                </a:lnTo>
-                <a:lnTo>
-                  <a:pt x="254" y="987"/>
-                </a:lnTo>
-                <a:close/>
-              </a:path>
-            </a:pathLst>
-          </a:custGeom>
-          <a:solidFill>
-            <a:schemeClr val="accent1">
-              <a:lumMod val="75000"/>
-            </a:schemeClr>
-          </a:solidFill>
-          <a:ln>
-            <a:noFill/>
-          </a:ln>
-        </p:spPr>
-        <p:txBody>
-          <a:bodyPr vert="horz" wrap="square" lIns="91440" tIns="45720" rIns="91440" bIns="45720" numCol="1" anchor="t" anchorCtr="0" compatLnSpc="1">
-            <a:prstTxWarp prst="textNoShape">
-              <a:avLst/>
-            </a:prstTxWarp>
-          </a:bodyPr>
-          <a:lstStyle/>
-          <a:p>
-            <a:endParaRPr lang="en-US"/>
-          </a:p>
-        </p:txBody>
-      </p:sp>
-      <p:sp>
-        <p:nvSpPr>
-          <p:cNvPr id="30" name="Freeform 47">
-            <a:extLst>
-              <a:ext uri="{FF2B5EF4-FFF2-40B4-BE49-F238E27FC236}">
-                <a16:creationId xmlns:a16="http://schemas.microsoft.com/office/drawing/2014/main" id="{5C7EF35C-8B7D-4026-8F09-8B2B2250579B}"/>
-              </a:ext>
-              <a:ext uri="{C183D7F6-B498-43B3-948B-1728B52AA6E4}">
-                <adec:decorative xmlns:adec="http://schemas.microsoft.com/office/drawing/2017/decorative" xmlns="" val="1"/>
-              </a:ext>
-            </a:extLst>
-          </p:cNvPr>
-          <p:cNvSpPr>
-            <a:spLocks noGrp="1" noRot="1" noChangeAspect="1" noMove="1" noResize="1" noEditPoints="1" noAdjustHandles="1" noChangeArrowheads="1" noChangeShapeType="1" noTextEdit="1"/>
-          </p:cNvSpPr>
-          <p:nvPr>
-            <p:extLst>
-              <p:ext uri="{386F3935-93C4-4BCD-93E2-E3B085C9AB24}">
-                <p16:designElem xmlns:p16="http://schemas.microsoft.com/office/powerpoint/2015/main" val="1"/>
-              </p:ext>
-            </p:extLst>
-          </p:nvPr>
-        </p:nvSpPr>
-        <p:spPr bwMode="auto">
-          <a:xfrm>
-            <a:off x="644660" y="640894"/>
-            <a:ext cx="168275" cy="1713195"/>
-          </a:xfrm>
-          <a:custGeom>
-            <a:avLst/>
-            <a:gdLst>
-              <a:gd name="T0" fmla="*/ 106 w 106"/>
-              <a:gd name="T1" fmla="*/ 1114 h 1114"/>
-              <a:gd name="T2" fmla="*/ 0 w 106"/>
-              <a:gd name="T3" fmla="*/ 1005 h 1114"/>
-              <a:gd name="T4" fmla="*/ 0 w 106"/>
-              <a:gd name="T5" fmla="*/ 0 h 1114"/>
-              <a:gd name="T6" fmla="*/ 106 w 106"/>
-              <a:gd name="T7" fmla="*/ 110 h 1114"/>
-              <a:gd name="T8" fmla="*/ 106 w 106"/>
-              <a:gd name="T9" fmla="*/ 1114 h 1114"/>
-            </a:gdLst>
-            <a:ahLst/>
-            <a:cxnLst>
-              <a:cxn ang="0">
-                <a:pos x="T0" y="T1"/>
-              </a:cxn>
-              <a:cxn ang="0">
-                <a:pos x="T2" y="T3"/>
-              </a:cxn>
-              <a:cxn ang="0">
-                <a:pos x="T4" y="T5"/>
-              </a:cxn>
-              <a:cxn ang="0">
-                <a:pos x="T6" y="T7"/>
-              </a:cxn>
-              <a:cxn ang="0">
-                <a:pos x="T8" y="T9"/>
-              </a:cxn>
-            </a:cxnLst>
-            <a:rect l="0" t="0" r="r" b="b"/>
-            <a:pathLst>
-              <a:path w="106" h="1114">
-                <a:moveTo>
-                  <a:pt x="106" y="1114"/>
-                </a:moveTo>
-                <a:lnTo>
-                  <a:pt x="0" y="1005"/>
-                </a:lnTo>
-                <a:lnTo>
-                  <a:pt x="0" y="0"/>
-                </a:lnTo>
-                <a:lnTo>
-                  <a:pt x="106" y="110"/>
-                </a:lnTo>
-                <a:lnTo>
-                  <a:pt x="106" y="1114"/>
-                </a:lnTo>
-                <a:close/>
-              </a:path>
-            </a:pathLst>
-          </a:custGeom>
-          <a:solidFill>
-            <a:schemeClr val="accent1">
-              <a:lumMod val="50000"/>
-            </a:schemeClr>
-          </a:solidFill>
-          <a:ln>
-            <a:noFill/>
-          </a:ln>
-        </p:spPr>
-        <p:txBody>
-          <a:bodyPr vert="horz" wrap="square" lIns="91440" tIns="45720" rIns="91440" bIns="45720" numCol="1" anchor="t" anchorCtr="0" compatLnSpc="1">
-            <a:prstTxWarp prst="textNoShape">
-              <a:avLst/>
-            </a:prstTxWarp>
-          </a:bodyPr>
-          <a:lstStyle/>
-          <a:p>
-            <a:endParaRPr lang="en-US"/>
-          </a:p>
-        </p:txBody>
-      </p:sp>
-      <p:sp>
-        <p:nvSpPr>
-          <p:cNvPr id="32" name="Freeform 44">
-            <a:extLst>
-              <a:ext uri="{FF2B5EF4-FFF2-40B4-BE49-F238E27FC236}">
-                <a16:creationId xmlns:a16="http://schemas.microsoft.com/office/drawing/2014/main" id="{5F24A71D-C0A9-49AC-B2D1-5A9EA2BD383E}"/>
-              </a:ext>
-              <a:ext uri="{C183D7F6-B498-43B3-948B-1728B52AA6E4}">
-                <adec:decorative xmlns:adec="http://schemas.microsoft.com/office/drawing/2017/decorative" xmlns="" val="1"/>
-              </a:ext>
-            </a:extLst>
-          </p:cNvPr>
-          <p:cNvSpPr>
-            <a:spLocks noGrp="1" noRot="1" noChangeAspect="1" noMove="1" noResize="1" noEditPoints="1" noAdjustHandles="1" noChangeArrowheads="1" noChangeShapeType="1" noTextEdit="1"/>
-          </p:cNvSpPr>
-          <p:nvPr>
-            <p:extLst>
-              <p:ext uri="{386F3935-93C4-4BCD-93E2-E3B085C9AB24}">
-                <p16:designElem xmlns:p16="http://schemas.microsoft.com/office/powerpoint/2015/main" val="1"/>
-              </p:ext>
-            </p:extLst>
-          </p:nvPr>
-        </p:nvSpPr>
-        <p:spPr bwMode="auto">
-          <a:xfrm>
-            <a:off x="7348538" y="635716"/>
-            <a:ext cx="328612" cy="1742360"/>
-          </a:xfrm>
-          <a:custGeom>
-            <a:avLst/>
-            <a:gdLst>
-              <a:gd name="T0" fmla="*/ 207 w 207"/>
-              <a:gd name="T1" fmla="*/ 987 h 1114"/>
-              <a:gd name="T2" fmla="*/ 0 w 207"/>
-              <a:gd name="T3" fmla="*/ 1114 h 1114"/>
-              <a:gd name="T4" fmla="*/ 0 w 207"/>
-              <a:gd name="T5" fmla="*/ 127 h 1114"/>
-              <a:gd name="T6" fmla="*/ 207 w 207"/>
-              <a:gd name="T7" fmla="*/ 0 h 1114"/>
-              <a:gd name="T8" fmla="*/ 207 w 207"/>
-              <a:gd name="T9" fmla="*/ 987 h 1114"/>
-            </a:gdLst>
-            <a:ahLst/>
-            <a:cxnLst>
-              <a:cxn ang="0">
-                <a:pos x="T0" y="T1"/>
-              </a:cxn>
-              <a:cxn ang="0">
-                <a:pos x="T2" y="T3"/>
-              </a:cxn>
-              <a:cxn ang="0">
-                <a:pos x="T4" y="T5"/>
-              </a:cxn>
-              <a:cxn ang="0">
-                <a:pos x="T6" y="T7"/>
-              </a:cxn>
-              <a:cxn ang="0">
-                <a:pos x="T8" y="T9"/>
-              </a:cxn>
-            </a:cxnLst>
-            <a:rect l="0" t="0" r="r" b="b"/>
-            <a:pathLst>
-              <a:path w="207" h="1114">
-                <a:moveTo>
-                  <a:pt x="207" y="987"/>
-                </a:moveTo>
-                <a:lnTo>
-                  <a:pt x="0" y="1114"/>
-                </a:lnTo>
-                <a:lnTo>
-                  <a:pt x="0" y="127"/>
-                </a:lnTo>
-                <a:lnTo>
-                  <a:pt x="207" y="0"/>
-                </a:lnTo>
-                <a:lnTo>
-                  <a:pt x="207" y="987"/>
-                </a:lnTo>
-                <a:close/>
-              </a:path>
-            </a:pathLst>
-          </a:custGeom>
-          <a:solidFill>
-            <a:schemeClr val="accent1">
-              <a:lumMod val="50000"/>
-            </a:schemeClr>
-          </a:solidFill>
-          <a:ln>
-            <a:noFill/>
-          </a:ln>
-        </p:spPr>
-        <p:txBody>
-          <a:bodyPr vert="horz" wrap="square" lIns="91440" tIns="45720" rIns="91440" bIns="45720" numCol="1" anchor="t" anchorCtr="0" compatLnSpc="1">
-            <a:prstTxWarp prst="textNoShape">
-              <a:avLst/>
-            </a:prstTxWarp>
-          </a:bodyPr>
-          <a:lstStyle/>
-          <a:p>
-            <a:endParaRPr lang="en-US"/>
-          </a:p>
-        </p:txBody>
-      </p:sp>
-      <p:sp>
-        <p:nvSpPr>
-          <p:cNvPr id="33" name="Rectangle 32">
-            <a:extLst>
-              <a:ext uri="{FF2B5EF4-FFF2-40B4-BE49-F238E27FC236}">
-                <a16:creationId xmlns:a16="http://schemas.microsoft.com/office/drawing/2014/main" id="{14280C55-570C-4284-9850-B2BA33DB6726}"/>
-              </a:ext>
-              <a:ext uri="{C183D7F6-B498-43B3-948B-1728B52AA6E4}">
-                <adec:decorative xmlns:adec="http://schemas.microsoft.com/office/drawing/2017/decorative" xmlns="" val="1"/>
-              </a:ext>
-            </a:extLst>
-          </p:cNvPr>
-          <p:cNvSpPr>
-            <a:spLocks noGrp="1" noRot="1" noChangeAspect="1" noMove="1" noResize="1" noEditPoints="1" noAdjustHandles="1" noChangeArrowheads="1" noChangeShapeType="1" noTextEdit="1"/>
-          </p:cNvSpPr>
-          <p:nvPr>
-            <p:extLst>
-              <p:ext uri="{386F3935-93C4-4BCD-93E2-E3B085C9AB24}">
-                <p16:designElem xmlns:p16="http://schemas.microsoft.com/office/powerpoint/2015/main" val="1"/>
-              </p:ext>
-            </p:extLst>
-          </p:nvPr>
-        </p:nvSpPr>
-        <p:spPr bwMode="auto">
-          <a:xfrm>
-            <a:off x="644055" y="635715"/>
-            <a:ext cx="7033095" cy="1541457"/>
-          </a:xfrm>
-          <a:prstGeom prst="rect">
-            <a:avLst/>
-          </a:prstGeom>
-          <a:solidFill>
-            <a:schemeClr val="accent1"/>
-          </a:solidFill>
-          <a:ln>
-            <a:noFill/>
-          </a:ln>
-        </p:spPr>
-        <p:txBody>
-          <a:bodyPr vert="horz" wrap="square" lIns="91440" tIns="45720" rIns="91440" bIns="45720" numCol="1" anchor="t" anchorCtr="0" compatLnSpc="1">
-            <a:prstTxWarp prst="textNoShape">
-              <a:avLst/>
-            </a:prstTxWarp>
-          </a:bodyPr>
-          <a:lstStyle/>
-          <a:p>
-            <a:endParaRPr lang="en-US"/>
-          </a:p>
-        </p:txBody>
-      </p:sp>
       <p:sp>
         <p:nvSpPr>
           <p:cNvPr id="2" name="Title 1">
@@ -23120,74 +22999,57 @@
               <a:buNone/>
             </a:pPr>
             <a:r>
-              <a:rPr lang="en-US" dirty="0">
-                <a:cs typeface="Calibri"/>
-              </a:rPr>
+              <a:rPr lang="en-US" sz="2400" dirty="0"/>
               <a:t>Independent development &amp; deployment</a:t>
             </a:r>
-          </a:p>
-          <a:p>
-            <a:pPr marL="0" indent="0">
-              <a:spcBef>
-                <a:spcPts val="500"/>
-              </a:spcBef>
-              <a:buNone/>
-            </a:pPr>
-            <a:endParaRPr lang="en-US" sz="1000">
-              <a:cs typeface="Calibri"/>
-            </a:endParaRPr>
           </a:p>
           <a:p>
             <a:pPr marL="0" indent="0">
               <a:buNone/>
             </a:pPr>
-            <a:r>
-              <a:rPr lang="en-US" dirty="0">
-                <a:cs typeface="Calibri"/>
-              </a:rPr>
-              <a:t>Improved fault isolation</a:t>
-            </a:r>
+            <a:endParaRPr lang="en-US" sz="2400" dirty="0"/>
           </a:p>
           <a:p>
             <a:pPr marL="0" indent="0">
               <a:buNone/>
             </a:pPr>
-            <a:endParaRPr lang="en-US" sz="1000">
-              <a:cs typeface="Calibri"/>
-            </a:endParaRPr>
+            <a:r>
+              <a:rPr lang="en-US" sz="2400" dirty="0"/>
+              <a:t>Improved fault isolation</a:t>
+            </a:r>
           </a:p>
           <a:p>
             <a:pPr marL="0" indent="0">
               <a:buNone/>
             </a:pPr>
-            <a:r>
-              <a:rPr lang="en-US" dirty="0">
-                <a:cs typeface="Calibri"/>
-              </a:rPr>
-              <a:t>Independent technology stack</a:t>
-            </a:r>
+            <a:endParaRPr lang="en-US" sz="2400" dirty="0"/>
           </a:p>
           <a:p>
             <a:pPr marL="0" indent="0">
               <a:buNone/>
             </a:pPr>
-            <a:endParaRPr lang="en-US" sz="1000">
-              <a:cs typeface="Calibri"/>
-            </a:endParaRPr>
+            <a:r>
+              <a:rPr lang="en-US" sz="2400" dirty="0"/>
+              <a:t>Independent technology stack</a:t>
+            </a:r>
           </a:p>
           <a:p>
             <a:pPr marL="0" indent="0">
               <a:buNone/>
             </a:pPr>
-            <a:r>
-              <a:rPr lang="en-US" dirty="0">
-                <a:cs typeface="Calibri"/>
-              </a:rPr>
+            <a:endParaRPr lang="en-US" sz="2400" dirty="0"/>
+          </a:p>
+          <a:p>
+            <a:pPr marL="0" indent="0">
+              <a:buNone/>
+            </a:pPr>
+            <a:r>
+              <a:rPr lang="en-US" sz="2400" dirty="0"/>
               <a:t>Better maintenance</a:t>
             </a:r>
           </a:p>
           <a:p>
-            <a:endParaRPr lang="en-US">
+            <a:endParaRPr lang="en-US" dirty="0">
               <a:cs typeface="Calibri"/>
             </a:endParaRPr>
           </a:p>
@@ -23331,89 +23193,82 @@
           <a:lstStyle/>
           <a:p>
             <a:pPr marL="0" indent="0">
-              <a:lnSpc>
-                <a:spcPct val="100000"/>
-              </a:lnSpc>
               <a:buNone/>
             </a:pPr>
             <a:r>
-              <a:rPr lang="en-US" dirty="0">
-                <a:cs typeface="Calibri"/>
+              <a:rPr lang="en-US" sz="2400" dirty="0">
+                <a:solidFill>
+                  <a:schemeClr val="tx1"/>
+                </a:solidFill>
               </a:rPr>
               <a:t>Multiple service instances per host (Physical or VM)</a:t>
             </a:r>
           </a:p>
           <a:p>
             <a:pPr marL="0" indent="0">
-              <a:lnSpc>
-                <a:spcPct val="100000"/>
-              </a:lnSpc>
               <a:buNone/>
             </a:pPr>
-            <a:endParaRPr lang="en-US" sz="1000" dirty="0">
-              <a:cs typeface="Calibri"/>
+            <a:endParaRPr lang="en-US" sz="2400" dirty="0">
+              <a:solidFill>
+                <a:schemeClr val="tx1"/>
+              </a:solidFill>
             </a:endParaRPr>
           </a:p>
           <a:p>
             <a:pPr marL="0" indent="0">
-              <a:lnSpc>
-                <a:spcPct val="100000"/>
-              </a:lnSpc>
               <a:buNone/>
             </a:pPr>
             <a:r>
-              <a:rPr lang="en-US" dirty="0">
-                <a:cs typeface="Calibri"/>
+              <a:rPr lang="en-US" sz="2400" dirty="0">
+                <a:solidFill>
+                  <a:schemeClr val="tx1"/>
+                </a:solidFill>
               </a:rPr>
               <a:t>Service instance per host (Physical or VM)</a:t>
             </a:r>
           </a:p>
           <a:p>
             <a:pPr marL="0" indent="0">
-              <a:lnSpc>
-                <a:spcPct val="100000"/>
-              </a:lnSpc>
               <a:buNone/>
             </a:pPr>
-            <a:endParaRPr lang="en-US" sz="1000" dirty="0">
-              <a:cs typeface="Calibri"/>
+            <a:endParaRPr lang="en-US" sz="2400" dirty="0">
+              <a:solidFill>
+                <a:schemeClr val="tx1"/>
+              </a:solidFill>
             </a:endParaRPr>
           </a:p>
           <a:p>
             <a:pPr marL="0" indent="0">
-              <a:lnSpc>
-                <a:spcPct val="100000"/>
-              </a:lnSpc>
               <a:buNone/>
             </a:pPr>
             <a:r>
-              <a:rPr lang="en-US" dirty="0">
-                <a:cs typeface="Calibri"/>
+              <a:rPr lang="en-US" sz="2400" dirty="0">
+                <a:solidFill>
+                  <a:schemeClr val="tx1"/>
+                </a:solidFill>
               </a:rPr>
               <a:t>Service instance per container</a:t>
             </a:r>
           </a:p>
           <a:p>
             <a:pPr marL="0" indent="0">
-              <a:lnSpc>
-                <a:spcPct val="100000"/>
-              </a:lnSpc>
               <a:buNone/>
             </a:pPr>
-            <a:endParaRPr lang="en-US" sz="1000" dirty="0">
-              <a:cs typeface="Calibri"/>
+            <a:endParaRPr lang="en-US" sz="2400" dirty="0">
+              <a:solidFill>
+                <a:schemeClr val="tx1"/>
+              </a:solidFill>
             </a:endParaRPr>
           </a:p>
           <a:p>
             <a:pPr marL="0" indent="0">
-              <a:lnSpc>
-                <a:spcPct val="100000"/>
-              </a:lnSpc>
               <a:buNone/>
             </a:pPr>
             <a:r>
-              <a:rPr lang="en-US" dirty="0">
-                <a:cs typeface="Calibri"/>
+              <a:rPr lang="en-US" sz="2400" dirty="0">
+                <a:solidFill>
+                  <a:schemeClr val="tx1"/>
+                </a:solidFill>
               </a:rPr>
               <a:t>Serverless deployment</a:t>
             </a:r>
@@ -24022,23 +23877,40 @@
         </p:nvSpPr>
         <p:spPr/>
         <p:txBody>
-          <a:bodyPr/>
+          <a:bodyPr>
+            <a:normAutofit/>
+          </a:bodyPr>
           <a:lstStyle/>
           <a:p>
-            <a:r>
-              <a:rPr lang="en-IN" dirty="0"/>
+            <a:pPr marL="0"/>
+            <a:r>
+              <a:rPr lang="en-IN" sz="2400" dirty="0">
+                <a:solidFill>
+                  <a:schemeClr val="tx1"/>
+                </a:solidFill>
+              </a:rPr>
               <a:t>Docker Swarm</a:t>
             </a:r>
           </a:p>
           <a:p>
-            <a:r>
-              <a:rPr lang="en-IN" dirty="0"/>
+            <a:pPr marL="0"/>
+            <a:r>
+              <a:rPr lang="en-IN" sz="2400" dirty="0">
+                <a:solidFill>
+                  <a:schemeClr val="tx1"/>
+                </a:solidFill>
+              </a:rPr>
               <a:t>Nomad </a:t>
             </a:r>
           </a:p>
           <a:p>
-            <a:r>
-              <a:rPr lang="en-IN" dirty="0"/>
+            <a:pPr marL="0"/>
+            <a:r>
+              <a:rPr lang="en-IN" sz="2400" dirty="0">
+                <a:solidFill>
+                  <a:schemeClr val="tx1"/>
+                </a:solidFill>
+              </a:rPr>
               <a:t>Rancher</a:t>
             </a:r>
           </a:p>
@@ -24134,33 +24006,47 @@
           <a:lstStyle/>
           <a:p>
             <a:pPr marL="0" indent="0">
+              <a:lnSpc>
+                <a:spcPct val="150000"/>
+              </a:lnSpc>
               <a:buNone/>
             </a:pPr>
             <a:r>
-              <a:rPr lang="en-US" dirty="0"/>
+              <a:rPr lang="en-US" sz="2400" dirty="0">
+                <a:solidFill>
+                  <a:schemeClr val="tx1"/>
+                </a:solidFill>
+              </a:rPr>
               <a:t>A Production-Grade Container Orchestration System Google-grown, based on Borg and Omega, systems that run inside of Google right now and are proven to work at Google for over 10 years.</a:t>
             </a:r>
-            <a:endParaRPr lang="en-US" dirty="0">
-              <a:cs typeface="Segoe UI"/>
+          </a:p>
+          <a:p>
+            <a:pPr marL="0">
+              <a:lnSpc>
+                <a:spcPct val="150000"/>
+              </a:lnSpc>
+            </a:pPr>
+            <a:endParaRPr lang="en-US" sz="2400" dirty="0">
+              <a:solidFill>
+                <a:schemeClr val="tx1"/>
+              </a:solidFill>
             </a:endParaRPr>
           </a:p>
           <a:p>
             <a:pPr marL="0" indent="0">
+              <a:lnSpc>
+                <a:spcPct val="150000"/>
+              </a:lnSpc>
               <a:buNone/>
             </a:pPr>
-            <a:endParaRPr lang="en-US" dirty="0"/>
-          </a:p>
-          <a:p>
-            <a:pPr marL="0" indent="0">
-              <a:buNone/>
-            </a:pPr>
-            <a:r>
-              <a:rPr lang="en-US" dirty="0"/>
+            <a:r>
+              <a:rPr lang="en-US" sz="2400" dirty="0">
+                <a:solidFill>
+                  <a:schemeClr val="tx1"/>
+                </a:solidFill>
+              </a:rPr>
               <a:t>Google spawns billions of containers per week with these systems.</a:t>
             </a:r>
-            <a:endParaRPr lang="en-US" dirty="0">
-              <a:cs typeface="Segoe UI"/>
-            </a:endParaRPr>
           </a:p>
           <a:p>
             <a:pPr marL="0" indent="0">
@@ -24338,7 +24224,9 @@
         </p:nvSpPr>
         <p:spPr/>
         <p:txBody>
-          <a:bodyPr/>
+          <a:bodyPr>
+            <a:normAutofit/>
+          </a:bodyPr>
           <a:lstStyle/>
           <a:p>
             <a:pPr marL="0" indent="0">
@@ -24348,7 +24236,11 @@
               <a:buNone/>
             </a:pPr>
             <a:r>
-              <a:rPr lang="en-US" dirty="0"/>
+              <a:rPr lang="en-US" sz="2400" dirty="0">
+                <a:solidFill>
+                  <a:schemeClr val="tx1"/>
+                </a:solidFill>
+              </a:rPr>
               <a:t>All services within Kubernetes are natively Load Balanced.</a:t>
             </a:r>
           </a:p>
@@ -24360,7 +24252,11 @@
               <a:buNone/>
             </a:pPr>
             <a:r>
-              <a:rPr lang="en-US" dirty="0"/>
+              <a:rPr lang="en-US" sz="2400" dirty="0">
+                <a:solidFill>
+                  <a:schemeClr val="tx1"/>
+                </a:solidFill>
+              </a:rPr>
               <a:t>Can scale up and down dynamically.</a:t>
             </a:r>
           </a:p>
@@ -24372,10 +24268,18 @@
               <a:buNone/>
             </a:pPr>
             <a:r>
-              <a:rPr lang="en-US" dirty="0"/>
+              <a:rPr lang="en-US" sz="2400" dirty="0">
+                <a:solidFill>
+                  <a:schemeClr val="tx1"/>
+                </a:solidFill>
+              </a:rPr>
               <a:t>Used both to enable self-healing and seamless upgrading or rollback of applications.</a:t>
             </a:r>
-            <a:endParaRPr lang="en-IN" dirty="0"/>
+            <a:endParaRPr lang="en-IN" sz="2400" dirty="0">
+              <a:solidFill>
+                <a:schemeClr val="tx1"/>
+              </a:solidFill>
+            </a:endParaRPr>
           </a:p>
         </p:txBody>
       </p:sp>
@@ -24498,14 +24402,20 @@
         </p:nvSpPr>
         <p:spPr/>
         <p:txBody>
-          <a:bodyPr/>
+          <a:bodyPr>
+            <a:normAutofit/>
+          </a:bodyPr>
           <a:lstStyle/>
           <a:p>
             <a:pPr marL="0" indent="0">
               <a:buNone/>
             </a:pPr>
             <a:r>
-              <a:rPr lang="en-US" dirty="0"/>
+              <a:rPr lang="en-US" sz="2400" dirty="0">
+                <a:solidFill>
+                  <a:schemeClr val="tx1"/>
+                </a:solidFill>
+              </a:rPr>
               <a:t>Kubernetes will ALWAYS try and steer the cluster to its desired state.</a:t>
             </a:r>
           </a:p>
